--- a/Presentation/medicApp.pptx
+++ b/Presentation/medicApp.pptx
@@ -6,7 +6,20 @@
   </p:sldMasterIdLst>
   <p:sldIdLst>
     <p:sldId id="256" r:id="rId2"/>
-    <p:sldId id="257" r:id="rId3"/>
+    <p:sldId id="259" r:id="rId3"/>
+    <p:sldId id="257" r:id="rId4"/>
+    <p:sldId id="258" r:id="rId5"/>
+    <p:sldId id="260" r:id="rId6"/>
+    <p:sldId id="261" r:id="rId7"/>
+    <p:sldId id="264" r:id="rId8"/>
+    <p:sldId id="263" r:id="rId9"/>
+    <p:sldId id="265" r:id="rId10"/>
+    <p:sldId id="268" r:id="rId11"/>
+    <p:sldId id="266" r:id="rId12"/>
+    <p:sldId id="267" r:id="rId13"/>
+    <p:sldId id="269" r:id="rId14"/>
+    <p:sldId id="262" r:id="rId15"/>
+    <p:sldId id="270" r:id="rId16"/>
   </p:sldIdLst>
   <p:sldSz cx="12192000" cy="6858000"/>
   <p:notesSz cx="6858000" cy="9144000"/>
@@ -105,6 +118,11 @@
       </a:defRPr>
     </a:lvl9pPr>
   </p:defaultTextStyle>
+  <p:extLst>
+    <p:ext uri="{EFAFB233-063F-42B5-8137-9DF3F51BA10A}">
+      <p15:sldGuideLst xmlns:p15="http://schemas.microsoft.com/office/powerpoint/2012/main"/>
+    </p:ext>
+  </p:extLst>
 </p:presentation>
 </file>
 
@@ -112,8 +130,8 @@
 <pc:chgInfo xmlns:a="http://schemas.openxmlformats.org/drawingml/2006/main" xmlns:r="http://schemas.openxmlformats.org/officeDocument/2006/relationships" xmlns:ac="http://schemas.microsoft.com/office/drawing/2013/main/command" xmlns:pc="http://schemas.microsoft.com/office/powerpoint/2013/main/command">
   <pc:docChgLst>
     <pc:chgData name="Rubio Ricky" userId="2a36842406a73175" providerId="LiveId" clId="{3B6F06F3-B7B0-4D5C-BEF8-25AC3830AA87}"/>
-    <pc:docChg chg="custSel addSld modSld">
-      <pc:chgData name="Rubio Ricky" userId="2a36842406a73175" providerId="LiveId" clId="{3B6F06F3-B7B0-4D5C-BEF8-25AC3830AA87}" dt="2025-04-26T09:07:40.957" v="168" actId="20577"/>
+    <pc:docChg chg="undo custSel addSld modSld sldOrd">
+      <pc:chgData name="Rubio Ricky" userId="2a36842406a73175" providerId="LiveId" clId="{3B6F06F3-B7B0-4D5C-BEF8-25AC3830AA87}" dt="2025-04-26T22:35:13.190" v="2010" actId="1076"/>
       <pc:docMkLst>
         <pc:docMk/>
       </pc:docMkLst>
@@ -141,13 +159,13 @@
         </pc:spChg>
       </pc:sldChg>
       <pc:sldChg chg="modSp new mod">
-        <pc:chgData name="Rubio Ricky" userId="2a36842406a73175" providerId="LiveId" clId="{3B6F06F3-B7B0-4D5C-BEF8-25AC3830AA87}" dt="2025-04-26T09:07:40.957" v="168" actId="20577"/>
+        <pc:chgData name="Rubio Ricky" userId="2a36842406a73175" providerId="LiveId" clId="{3B6F06F3-B7B0-4D5C-BEF8-25AC3830AA87}" dt="2025-04-26T21:54:33.340" v="296" actId="20577"/>
         <pc:sldMkLst>
           <pc:docMk/>
           <pc:sldMk cId="150646111" sldId="257"/>
         </pc:sldMkLst>
         <pc:spChg chg="mod">
-          <ac:chgData name="Rubio Ricky" userId="2a36842406a73175" providerId="LiveId" clId="{3B6F06F3-B7B0-4D5C-BEF8-25AC3830AA87}" dt="2025-04-26T09:05:07.443" v="57" actId="20577"/>
+          <ac:chgData name="Rubio Ricky" userId="2a36842406a73175" providerId="LiveId" clId="{3B6F06F3-B7B0-4D5C-BEF8-25AC3830AA87}" dt="2025-04-26T21:54:33.340" v="296" actId="20577"/>
           <ac:spMkLst>
             <pc:docMk/>
             <pc:sldMk cId="150646111" sldId="257"/>
@@ -155,11 +173,694 @@
           </ac:spMkLst>
         </pc:spChg>
         <pc:spChg chg="mod">
-          <ac:chgData name="Rubio Ricky" userId="2a36842406a73175" providerId="LiveId" clId="{3B6F06F3-B7B0-4D5C-BEF8-25AC3830AA87}" dt="2025-04-26T09:07:40.957" v="168" actId="20577"/>
+          <ac:chgData name="Rubio Ricky" userId="2a36842406a73175" providerId="LiveId" clId="{3B6F06F3-B7B0-4D5C-BEF8-25AC3830AA87}" dt="2025-04-26T21:53:25.218" v="221" actId="20577"/>
           <ac:spMkLst>
             <pc:docMk/>
             <pc:sldMk cId="150646111" sldId="257"/>
             <ac:spMk id="3" creationId="{FCC5768E-4F94-F5F8-C5C8-1E31864AD17B}"/>
+          </ac:spMkLst>
+        </pc:spChg>
+      </pc:sldChg>
+      <pc:sldChg chg="modSp new mod">
+        <pc:chgData name="Rubio Ricky" userId="2a36842406a73175" providerId="LiveId" clId="{3B6F06F3-B7B0-4D5C-BEF8-25AC3830AA87}" dt="2025-04-26T21:59:59.906" v="900" actId="20577"/>
+        <pc:sldMkLst>
+          <pc:docMk/>
+          <pc:sldMk cId="3345964672" sldId="258"/>
+        </pc:sldMkLst>
+        <pc:spChg chg="mod">
+          <ac:chgData name="Rubio Ricky" userId="2a36842406a73175" providerId="LiveId" clId="{3B6F06F3-B7B0-4D5C-BEF8-25AC3830AA87}" dt="2025-04-26T21:54:57.617" v="306" actId="20577"/>
+          <ac:spMkLst>
+            <pc:docMk/>
+            <pc:sldMk cId="3345964672" sldId="258"/>
+            <ac:spMk id="2" creationId="{B2CC49A5-298D-7504-0E01-1A921F3D945F}"/>
+          </ac:spMkLst>
+        </pc:spChg>
+        <pc:spChg chg="mod">
+          <ac:chgData name="Rubio Ricky" userId="2a36842406a73175" providerId="LiveId" clId="{3B6F06F3-B7B0-4D5C-BEF8-25AC3830AA87}" dt="2025-04-26T21:59:59.906" v="900" actId="20577"/>
+          <ac:spMkLst>
+            <pc:docMk/>
+            <pc:sldMk cId="3345964672" sldId="258"/>
+            <ac:spMk id="3" creationId="{3D35F585-8BB6-C88D-A2C2-6A2C636C52D9}"/>
+          </ac:spMkLst>
+        </pc:spChg>
+      </pc:sldChg>
+      <pc:sldChg chg="modSp new mod">
+        <pc:chgData name="Rubio Ricky" userId="2a36842406a73175" providerId="LiveId" clId="{3B6F06F3-B7B0-4D5C-BEF8-25AC3830AA87}" dt="2025-04-26T21:54:42.779" v="298" actId="20577"/>
+        <pc:sldMkLst>
+          <pc:docMk/>
+          <pc:sldMk cId="2435451381" sldId="259"/>
+        </pc:sldMkLst>
+        <pc:spChg chg="mod">
+          <ac:chgData name="Rubio Ricky" userId="2a36842406a73175" providerId="LiveId" clId="{3B6F06F3-B7B0-4D5C-BEF8-25AC3830AA87}" dt="2025-04-26T21:53:44.094" v="234" actId="20577"/>
+          <ac:spMkLst>
+            <pc:docMk/>
+            <pc:sldMk cId="2435451381" sldId="259"/>
+            <ac:spMk id="2" creationId="{B66028AE-40E1-C67A-68C1-0A8F3407831B}"/>
+          </ac:spMkLst>
+        </pc:spChg>
+        <pc:spChg chg="mod">
+          <ac:chgData name="Rubio Ricky" userId="2a36842406a73175" providerId="LiveId" clId="{3B6F06F3-B7B0-4D5C-BEF8-25AC3830AA87}" dt="2025-04-26T21:54:42.779" v="298" actId="20577"/>
+          <ac:spMkLst>
+            <pc:docMk/>
+            <pc:sldMk cId="2435451381" sldId="259"/>
+            <ac:spMk id="3" creationId="{7F37D342-F487-2E5C-51D0-9A2D96C0F479}"/>
+          </ac:spMkLst>
+        </pc:spChg>
+      </pc:sldChg>
+      <pc:sldChg chg="addSp delSp modSp new mod">
+        <pc:chgData name="Rubio Ricky" userId="2a36842406a73175" providerId="LiveId" clId="{3B6F06F3-B7B0-4D5C-BEF8-25AC3830AA87}" dt="2025-04-26T22:19:59.835" v="1487" actId="14100"/>
+        <pc:sldMkLst>
+          <pc:docMk/>
+          <pc:sldMk cId="773845102" sldId="260"/>
+        </pc:sldMkLst>
+        <pc:spChg chg="mod">
+          <ac:chgData name="Rubio Ricky" userId="2a36842406a73175" providerId="LiveId" clId="{3B6F06F3-B7B0-4D5C-BEF8-25AC3830AA87}" dt="2025-04-26T22:19:50.563" v="1485" actId="1076"/>
+          <ac:spMkLst>
+            <pc:docMk/>
+            <pc:sldMk cId="773845102" sldId="260"/>
+            <ac:spMk id="2" creationId="{F17FE1C7-C2EA-1BB1-5A86-6B5A34E28ACA}"/>
+          </ac:spMkLst>
+        </pc:spChg>
+        <pc:spChg chg="mod">
+          <ac:chgData name="Rubio Ricky" userId="2a36842406a73175" providerId="LiveId" clId="{3B6F06F3-B7B0-4D5C-BEF8-25AC3830AA87}" dt="2025-04-26T22:19:54.020" v="1486" actId="1076"/>
+          <ac:spMkLst>
+            <pc:docMk/>
+            <pc:sldMk cId="773845102" sldId="260"/>
+            <ac:spMk id="3" creationId="{DACF3922-D497-13D5-4B18-A4D462E94926}"/>
+          </ac:spMkLst>
+        </pc:spChg>
+        <pc:spChg chg="add mod">
+          <ac:chgData name="Rubio Ricky" userId="2a36842406a73175" providerId="LiveId" clId="{3B6F06F3-B7B0-4D5C-BEF8-25AC3830AA87}" dt="2025-04-26T22:05:15.379" v="1136" actId="1076"/>
+          <ac:spMkLst>
+            <pc:docMk/>
+            <pc:sldMk cId="773845102" sldId="260"/>
+            <ac:spMk id="4" creationId="{EE4E983A-0B2A-CE35-F220-6F48857EF8F9}"/>
+          </ac:spMkLst>
+        </pc:spChg>
+        <pc:spChg chg="add del mod">
+          <ac:chgData name="Rubio Ricky" userId="2a36842406a73175" providerId="LiveId" clId="{3B6F06F3-B7B0-4D5C-BEF8-25AC3830AA87}" dt="2025-04-26T22:03:09.804" v="1125" actId="478"/>
+          <ac:spMkLst>
+            <pc:docMk/>
+            <pc:sldMk cId="773845102" sldId="260"/>
+            <ac:spMk id="5" creationId="{F17A46BF-F9EC-9E05-EDAC-ABB9326C8675}"/>
+          </ac:spMkLst>
+        </pc:spChg>
+        <pc:spChg chg="add mod">
+          <ac:chgData name="Rubio Ricky" userId="2a36842406a73175" providerId="LiveId" clId="{3B6F06F3-B7B0-4D5C-BEF8-25AC3830AA87}" dt="2025-04-26T22:05:43.921" v="1138" actId="164"/>
+          <ac:spMkLst>
+            <pc:docMk/>
+            <pc:sldMk cId="773845102" sldId="260"/>
+            <ac:spMk id="9" creationId="{6628D7C6-AA11-6825-EF48-3B6B947C331D}"/>
+          </ac:spMkLst>
+        </pc:spChg>
+        <pc:spChg chg="add mod">
+          <ac:chgData name="Rubio Ricky" userId="2a36842406a73175" providerId="LiveId" clId="{3B6F06F3-B7B0-4D5C-BEF8-25AC3830AA87}" dt="2025-04-26T22:07:32.693" v="1186" actId="164"/>
+          <ac:spMkLst>
+            <pc:docMk/>
+            <pc:sldMk cId="773845102" sldId="260"/>
+            <ac:spMk id="13" creationId="{C30DA31B-5F9E-47F1-48B0-DBF13A12ED6F}"/>
+          </ac:spMkLst>
+        </pc:spChg>
+        <pc:spChg chg="add mod">
+          <ac:chgData name="Rubio Ricky" userId="2a36842406a73175" providerId="LiveId" clId="{3B6F06F3-B7B0-4D5C-BEF8-25AC3830AA87}" dt="2025-04-26T22:17:46.902" v="1404" actId="164"/>
+          <ac:spMkLst>
+            <pc:docMk/>
+            <pc:sldMk cId="773845102" sldId="260"/>
+            <ac:spMk id="15" creationId="{4DF40DD5-507D-1A48-2BED-CAF84EC9CA46}"/>
+          </ac:spMkLst>
+        </pc:spChg>
+        <pc:spChg chg="add mod">
+          <ac:chgData name="Rubio Ricky" userId="2a36842406a73175" providerId="LiveId" clId="{3B6F06F3-B7B0-4D5C-BEF8-25AC3830AA87}" dt="2025-04-26T22:15:41.503" v="1394" actId="164"/>
+          <ac:spMkLst>
+            <pc:docMk/>
+            <pc:sldMk cId="773845102" sldId="260"/>
+            <ac:spMk id="16" creationId="{D93E54F5-A4DD-420A-17E6-02449C420AF3}"/>
+          </ac:spMkLst>
+        </pc:spChg>
+        <pc:spChg chg="add mod">
+          <ac:chgData name="Rubio Ricky" userId="2a36842406a73175" providerId="LiveId" clId="{3B6F06F3-B7B0-4D5C-BEF8-25AC3830AA87}" dt="2025-04-26T22:15:41.503" v="1394" actId="164"/>
+          <ac:spMkLst>
+            <pc:docMk/>
+            <pc:sldMk cId="773845102" sldId="260"/>
+            <ac:spMk id="17" creationId="{F4ABE07A-3A58-7E9E-C6D0-7D309D4C5842}"/>
+          </ac:spMkLst>
+        </pc:spChg>
+        <pc:spChg chg="add mod">
+          <ac:chgData name="Rubio Ricky" userId="2a36842406a73175" providerId="LiveId" clId="{3B6F06F3-B7B0-4D5C-BEF8-25AC3830AA87}" dt="2025-04-26T22:17:17.926" v="1403" actId="164"/>
+          <ac:spMkLst>
+            <pc:docMk/>
+            <pc:sldMk cId="773845102" sldId="260"/>
+            <ac:spMk id="18" creationId="{455063C6-E07A-C3D7-F915-716417B5F2AC}"/>
+          </ac:spMkLst>
+        </pc:spChg>
+        <pc:spChg chg="add mod">
+          <ac:chgData name="Rubio Ricky" userId="2a36842406a73175" providerId="LiveId" clId="{3B6F06F3-B7B0-4D5C-BEF8-25AC3830AA87}" dt="2025-04-26T22:15:41.503" v="1394" actId="164"/>
+          <ac:spMkLst>
+            <pc:docMk/>
+            <pc:sldMk cId="773845102" sldId="260"/>
+            <ac:spMk id="19" creationId="{166CDB5E-EA20-AAE0-90C6-60E76FDCE208}"/>
+          </ac:spMkLst>
+        </pc:spChg>
+        <pc:spChg chg="add del mod">
+          <ac:chgData name="Rubio Ricky" userId="2a36842406a73175" providerId="LiveId" clId="{3B6F06F3-B7B0-4D5C-BEF8-25AC3830AA87}" dt="2025-04-26T22:13:34.711" v="1340" actId="478"/>
+          <ac:spMkLst>
+            <pc:docMk/>
+            <pc:sldMk cId="773845102" sldId="260"/>
+            <ac:spMk id="20" creationId="{C9ADC17B-AA53-28CD-38F2-3BADCCDD4E78}"/>
+          </ac:spMkLst>
+        </pc:spChg>
+        <pc:spChg chg="add mod">
+          <ac:chgData name="Rubio Ricky" userId="2a36842406a73175" providerId="LiveId" clId="{3B6F06F3-B7B0-4D5C-BEF8-25AC3830AA87}" dt="2025-04-26T22:15:41.503" v="1394" actId="164"/>
+          <ac:spMkLst>
+            <pc:docMk/>
+            <pc:sldMk cId="773845102" sldId="260"/>
+            <ac:spMk id="21" creationId="{0D7D6C3C-F42C-FAF6-5F18-15265D8CE46F}"/>
+          </ac:spMkLst>
+        </pc:spChg>
+        <pc:spChg chg="add mod">
+          <ac:chgData name="Rubio Ricky" userId="2a36842406a73175" providerId="LiveId" clId="{3B6F06F3-B7B0-4D5C-BEF8-25AC3830AA87}" dt="2025-04-26T22:17:17.926" v="1403" actId="164"/>
+          <ac:spMkLst>
+            <pc:docMk/>
+            <pc:sldMk cId="773845102" sldId="260"/>
+            <ac:spMk id="46" creationId="{52098495-BE26-E8C2-8A44-B1D5540DFDE8}"/>
+          </ac:spMkLst>
+        </pc:spChg>
+        <pc:spChg chg="add mod">
+          <ac:chgData name="Rubio Ricky" userId="2a36842406a73175" providerId="LiveId" clId="{3B6F06F3-B7B0-4D5C-BEF8-25AC3830AA87}" dt="2025-04-26T22:18:19.437" v="1407" actId="164"/>
+          <ac:spMkLst>
+            <pc:docMk/>
+            <pc:sldMk cId="773845102" sldId="260"/>
+            <ac:spMk id="47" creationId="{C76C5750-6507-C2EA-B61D-B6813CBC6B5F}"/>
+          </ac:spMkLst>
+        </pc:spChg>
+        <pc:grpChg chg="add mod">
+          <ac:chgData name="Rubio Ricky" userId="2a36842406a73175" providerId="LiveId" clId="{3B6F06F3-B7B0-4D5C-BEF8-25AC3830AA87}" dt="2025-04-26T22:05:43.921" v="1138" actId="164"/>
+          <ac:grpSpMkLst>
+            <pc:docMk/>
+            <pc:sldMk cId="773845102" sldId="260"/>
+            <ac:grpSpMk id="8" creationId="{7A54E75F-54B3-1ABF-387C-EA9B3204B163}"/>
+          </ac:grpSpMkLst>
+        </pc:grpChg>
+        <pc:grpChg chg="add mod">
+          <ac:chgData name="Rubio Ricky" userId="2a36842406a73175" providerId="LiveId" clId="{3B6F06F3-B7B0-4D5C-BEF8-25AC3830AA87}" dt="2025-04-26T22:07:32.693" v="1186" actId="164"/>
+          <ac:grpSpMkLst>
+            <pc:docMk/>
+            <pc:sldMk cId="773845102" sldId="260"/>
+            <ac:grpSpMk id="12" creationId="{8DCF1163-7662-AC8F-CA58-4F544B5EAB8B}"/>
+          </ac:grpSpMkLst>
+        </pc:grpChg>
+        <pc:grpChg chg="add mod">
+          <ac:chgData name="Rubio Ricky" userId="2a36842406a73175" providerId="LiveId" clId="{3B6F06F3-B7B0-4D5C-BEF8-25AC3830AA87}" dt="2025-04-26T22:17:46.902" v="1404" actId="164"/>
+          <ac:grpSpMkLst>
+            <pc:docMk/>
+            <pc:sldMk cId="773845102" sldId="260"/>
+            <ac:grpSpMk id="14" creationId="{D7121761-0E1C-45B6-AD66-19BB2863863D}"/>
+          </ac:grpSpMkLst>
+        </pc:grpChg>
+        <pc:grpChg chg="add mod">
+          <ac:chgData name="Rubio Ricky" userId="2a36842406a73175" providerId="LiveId" clId="{3B6F06F3-B7B0-4D5C-BEF8-25AC3830AA87}" dt="2025-04-26T22:18:19.437" v="1407" actId="164"/>
+          <ac:grpSpMkLst>
+            <pc:docMk/>
+            <pc:sldMk cId="773845102" sldId="260"/>
+            <ac:grpSpMk id="37" creationId="{BD483BD3-A1E3-42FF-0CC5-243B5A82BC69}"/>
+          </ac:grpSpMkLst>
+        </pc:grpChg>
+        <pc:grpChg chg="add mod">
+          <ac:chgData name="Rubio Ricky" userId="2a36842406a73175" providerId="LiveId" clId="{3B6F06F3-B7B0-4D5C-BEF8-25AC3830AA87}" dt="2025-04-26T22:17:46.902" v="1404" actId="164"/>
+          <ac:grpSpMkLst>
+            <pc:docMk/>
+            <pc:sldMk cId="773845102" sldId="260"/>
+            <ac:grpSpMk id="48" creationId="{154B9140-4C1D-676B-77A9-E2775993EB59}"/>
+          </ac:grpSpMkLst>
+        </pc:grpChg>
+        <pc:grpChg chg="add mod">
+          <ac:chgData name="Rubio Ricky" userId="2a36842406a73175" providerId="LiveId" clId="{3B6F06F3-B7B0-4D5C-BEF8-25AC3830AA87}" dt="2025-04-26T22:18:26.393" v="1408" actId="164"/>
+          <ac:grpSpMkLst>
+            <pc:docMk/>
+            <pc:sldMk cId="773845102" sldId="260"/>
+            <ac:grpSpMk id="49" creationId="{4AED2383-2111-5112-4F44-4EC12888C5C0}"/>
+          </ac:grpSpMkLst>
+        </pc:grpChg>
+        <pc:grpChg chg="add mod">
+          <ac:chgData name="Rubio Ricky" userId="2a36842406a73175" providerId="LiveId" clId="{3B6F06F3-B7B0-4D5C-BEF8-25AC3830AA87}" dt="2025-04-26T22:18:26.393" v="1408" actId="164"/>
+          <ac:grpSpMkLst>
+            <pc:docMk/>
+            <pc:sldMk cId="773845102" sldId="260"/>
+            <ac:grpSpMk id="50" creationId="{2FA78819-C1E8-494A-B6E8-1A49DB26DE3F}"/>
+          </ac:grpSpMkLst>
+        </pc:grpChg>
+        <pc:grpChg chg="add mod">
+          <ac:chgData name="Rubio Ricky" userId="2a36842406a73175" providerId="LiveId" clId="{3B6F06F3-B7B0-4D5C-BEF8-25AC3830AA87}" dt="2025-04-26T22:19:59.835" v="1487" actId="14100"/>
+          <ac:grpSpMkLst>
+            <pc:docMk/>
+            <pc:sldMk cId="773845102" sldId="260"/>
+            <ac:grpSpMk id="51" creationId="{DCB3F675-AA35-6AB0-22C0-5259B9524F3B}"/>
+          </ac:grpSpMkLst>
+        </pc:grpChg>
+        <pc:cxnChg chg="add mod">
+          <ac:chgData name="Rubio Ricky" userId="2a36842406a73175" providerId="LiveId" clId="{3B6F06F3-B7B0-4D5C-BEF8-25AC3830AA87}" dt="2025-04-26T22:03:48.508" v="1128" actId="164"/>
+          <ac:cxnSpMkLst>
+            <pc:docMk/>
+            <pc:sldMk cId="773845102" sldId="260"/>
+            <ac:cxnSpMk id="7" creationId="{D9AA1D79-A18F-C66B-93CC-31055BC942A8}"/>
+          </ac:cxnSpMkLst>
+        </pc:cxnChg>
+        <pc:cxnChg chg="add mod">
+          <ac:chgData name="Rubio Ricky" userId="2a36842406a73175" providerId="LiveId" clId="{3B6F06F3-B7B0-4D5C-BEF8-25AC3830AA87}" dt="2025-04-26T22:05:43.921" v="1138" actId="164"/>
+          <ac:cxnSpMkLst>
+            <pc:docMk/>
+            <pc:sldMk cId="773845102" sldId="260"/>
+            <ac:cxnSpMk id="11" creationId="{5681BEB2-E3E6-2372-CE08-653E267B125A}"/>
+          </ac:cxnSpMkLst>
+        </pc:cxnChg>
+        <pc:cxnChg chg="add mod">
+          <ac:chgData name="Rubio Ricky" userId="2a36842406a73175" providerId="LiveId" clId="{3B6F06F3-B7B0-4D5C-BEF8-25AC3830AA87}" dt="2025-04-26T22:15:41.503" v="1394" actId="164"/>
+          <ac:cxnSpMkLst>
+            <pc:docMk/>
+            <pc:sldMk cId="773845102" sldId="260"/>
+            <ac:cxnSpMk id="23" creationId="{DB1663EF-9573-A0F3-8596-A4D78445DD94}"/>
+          </ac:cxnSpMkLst>
+        </pc:cxnChg>
+        <pc:cxnChg chg="add mod">
+          <ac:chgData name="Rubio Ricky" userId="2a36842406a73175" providerId="LiveId" clId="{3B6F06F3-B7B0-4D5C-BEF8-25AC3830AA87}" dt="2025-04-26T22:15:41.503" v="1394" actId="164"/>
+          <ac:cxnSpMkLst>
+            <pc:docMk/>
+            <pc:sldMk cId="773845102" sldId="260"/>
+            <ac:cxnSpMk id="26" creationId="{B393A6C4-112B-62C6-6D6F-0C3A457A67D1}"/>
+          </ac:cxnSpMkLst>
+        </pc:cxnChg>
+        <pc:cxnChg chg="add del">
+          <ac:chgData name="Rubio Ricky" userId="2a36842406a73175" providerId="LiveId" clId="{3B6F06F3-B7B0-4D5C-BEF8-25AC3830AA87}" dt="2025-04-26T22:14:16.535" v="1346" actId="478"/>
+          <ac:cxnSpMkLst>
+            <pc:docMk/>
+            <pc:sldMk cId="773845102" sldId="260"/>
+            <ac:cxnSpMk id="28" creationId="{A4D3856F-6C3C-2189-A78E-9898AFD1A32C}"/>
+          </ac:cxnSpMkLst>
+        </pc:cxnChg>
+        <pc:cxnChg chg="add mod">
+          <ac:chgData name="Rubio Ricky" userId="2a36842406a73175" providerId="LiveId" clId="{3B6F06F3-B7B0-4D5C-BEF8-25AC3830AA87}" dt="2025-04-26T22:15:41.503" v="1394" actId="164"/>
+          <ac:cxnSpMkLst>
+            <pc:docMk/>
+            <pc:sldMk cId="773845102" sldId="260"/>
+            <ac:cxnSpMk id="30" creationId="{ADCC1401-71F6-AC16-BE71-423C5CC79601}"/>
+          </ac:cxnSpMkLst>
+        </pc:cxnChg>
+        <pc:cxnChg chg="add mod">
+          <ac:chgData name="Rubio Ricky" userId="2a36842406a73175" providerId="LiveId" clId="{3B6F06F3-B7B0-4D5C-BEF8-25AC3830AA87}" dt="2025-04-26T22:15:41.503" v="1394" actId="164"/>
+          <ac:cxnSpMkLst>
+            <pc:docMk/>
+            <pc:sldMk cId="773845102" sldId="260"/>
+            <ac:cxnSpMk id="32" creationId="{9D565A27-4693-0103-C28D-8F47EAD95D15}"/>
+          </ac:cxnSpMkLst>
+        </pc:cxnChg>
+        <pc:cxnChg chg="add mod">
+          <ac:chgData name="Rubio Ricky" userId="2a36842406a73175" providerId="LiveId" clId="{3B6F06F3-B7B0-4D5C-BEF8-25AC3830AA87}" dt="2025-04-26T22:17:17.926" v="1403" actId="164"/>
+          <ac:cxnSpMkLst>
+            <pc:docMk/>
+            <pc:sldMk cId="773845102" sldId="260"/>
+            <ac:cxnSpMk id="39" creationId="{7C2F1DB3-06BD-4436-CE4E-6BD709F9F39F}"/>
+          </ac:cxnSpMkLst>
+        </pc:cxnChg>
+        <pc:cxnChg chg="add mod">
+          <ac:chgData name="Rubio Ricky" userId="2a36842406a73175" providerId="LiveId" clId="{3B6F06F3-B7B0-4D5C-BEF8-25AC3830AA87}" dt="2025-04-26T22:17:46.902" v="1404" actId="164"/>
+          <ac:cxnSpMkLst>
+            <pc:docMk/>
+            <pc:sldMk cId="773845102" sldId="260"/>
+            <ac:cxnSpMk id="41" creationId="{02C64456-7FCE-91F5-2762-B5302B9B971D}"/>
+          </ac:cxnSpMkLst>
+        </pc:cxnChg>
+        <pc:cxnChg chg="add mod">
+          <ac:chgData name="Rubio Ricky" userId="2a36842406a73175" providerId="LiveId" clId="{3B6F06F3-B7B0-4D5C-BEF8-25AC3830AA87}" dt="2025-04-26T22:18:19.437" v="1407" actId="164"/>
+          <ac:cxnSpMkLst>
+            <pc:docMk/>
+            <pc:sldMk cId="773845102" sldId="260"/>
+            <ac:cxnSpMk id="43" creationId="{7D35BE50-0A84-8582-7434-D9472E50E3DD}"/>
+          </ac:cxnSpMkLst>
+        </pc:cxnChg>
+        <pc:cxnChg chg="add mod">
+          <ac:chgData name="Rubio Ricky" userId="2a36842406a73175" providerId="LiveId" clId="{3B6F06F3-B7B0-4D5C-BEF8-25AC3830AA87}" dt="2025-04-26T22:17:17.926" v="1403" actId="164"/>
+          <ac:cxnSpMkLst>
+            <pc:docMk/>
+            <pc:sldMk cId="773845102" sldId="260"/>
+            <ac:cxnSpMk id="45" creationId="{499F2509-49E5-7578-3BA0-689D2CE2A3D8}"/>
+          </ac:cxnSpMkLst>
+        </pc:cxnChg>
+      </pc:sldChg>
+      <pc:sldChg chg="addSp delSp modSp new mod">
+        <pc:chgData name="Rubio Ricky" userId="2a36842406a73175" providerId="LiveId" clId="{3B6F06F3-B7B0-4D5C-BEF8-25AC3830AA87}" dt="2025-04-26T22:23:16.415" v="1552" actId="1076"/>
+        <pc:sldMkLst>
+          <pc:docMk/>
+          <pc:sldMk cId="3687861036" sldId="261"/>
+        </pc:sldMkLst>
+        <pc:spChg chg="mod">
+          <ac:chgData name="Rubio Ricky" userId="2a36842406a73175" providerId="LiveId" clId="{3B6F06F3-B7B0-4D5C-BEF8-25AC3830AA87}" dt="2025-04-26T21:55:21.573" v="328" actId="20577"/>
+          <ac:spMkLst>
+            <pc:docMk/>
+            <pc:sldMk cId="3687861036" sldId="261"/>
+            <ac:spMk id="2" creationId="{806039CA-D557-01F8-B612-57AE8285559F}"/>
+          </ac:spMkLst>
+        </pc:spChg>
+        <pc:spChg chg="mod">
+          <ac:chgData name="Rubio Ricky" userId="2a36842406a73175" providerId="LiveId" clId="{3B6F06F3-B7B0-4D5C-BEF8-25AC3830AA87}" dt="2025-04-26T22:20:29.393" v="1540" actId="20577"/>
+          <ac:spMkLst>
+            <pc:docMk/>
+            <pc:sldMk cId="3687861036" sldId="261"/>
+            <ac:spMk id="3" creationId="{008EBC56-43C6-5688-8F20-310E2C46AD1D}"/>
+          </ac:spMkLst>
+        </pc:spChg>
+        <pc:picChg chg="add del mod">
+          <ac:chgData name="Rubio Ricky" userId="2a36842406a73175" providerId="LiveId" clId="{3B6F06F3-B7B0-4D5C-BEF8-25AC3830AA87}" dt="2025-04-26T22:22:43.288" v="1548" actId="478"/>
+          <ac:picMkLst>
+            <pc:docMk/>
+            <pc:sldMk cId="3687861036" sldId="261"/>
+            <ac:picMk id="5" creationId="{FC6E8DCD-5DB2-8C7C-56A6-FEA18C7B8F66}"/>
+          </ac:picMkLst>
+        </pc:picChg>
+        <pc:picChg chg="add del mod">
+          <ac:chgData name="Rubio Ricky" userId="2a36842406a73175" providerId="LiveId" clId="{3B6F06F3-B7B0-4D5C-BEF8-25AC3830AA87}" dt="2025-04-26T22:22:43.288" v="1548" actId="478"/>
+          <ac:picMkLst>
+            <pc:docMk/>
+            <pc:sldMk cId="3687861036" sldId="261"/>
+            <ac:picMk id="7" creationId="{532B2801-AFF3-1050-CC75-F52C8064FA00}"/>
+          </ac:picMkLst>
+        </pc:picChg>
+        <pc:picChg chg="add del mod">
+          <ac:chgData name="Rubio Ricky" userId="2a36842406a73175" providerId="LiveId" clId="{3B6F06F3-B7B0-4D5C-BEF8-25AC3830AA87}" dt="2025-04-26T22:22:43.288" v="1548" actId="478"/>
+          <ac:picMkLst>
+            <pc:docMk/>
+            <pc:sldMk cId="3687861036" sldId="261"/>
+            <ac:picMk id="9" creationId="{2D6CAAFE-4398-7E69-4978-A0DDE172BAD8}"/>
+          </ac:picMkLst>
+        </pc:picChg>
+        <pc:picChg chg="add del mod">
+          <ac:chgData name="Rubio Ricky" userId="2a36842406a73175" providerId="LiveId" clId="{3B6F06F3-B7B0-4D5C-BEF8-25AC3830AA87}" dt="2025-04-26T22:22:43.288" v="1548" actId="478"/>
+          <ac:picMkLst>
+            <pc:docMk/>
+            <pc:sldMk cId="3687861036" sldId="261"/>
+            <ac:picMk id="11" creationId="{3F214D1B-522F-CC42-7BC1-099274AF8A0C}"/>
+          </ac:picMkLst>
+        </pc:picChg>
+        <pc:picChg chg="add del mod">
+          <ac:chgData name="Rubio Ricky" userId="2a36842406a73175" providerId="LiveId" clId="{3B6F06F3-B7B0-4D5C-BEF8-25AC3830AA87}" dt="2025-04-26T22:22:43.288" v="1548" actId="478"/>
+          <ac:picMkLst>
+            <pc:docMk/>
+            <pc:sldMk cId="3687861036" sldId="261"/>
+            <ac:picMk id="13" creationId="{EA395469-D846-966B-8773-040CC93A4285}"/>
+          </ac:picMkLst>
+        </pc:picChg>
+        <pc:picChg chg="add del mod">
+          <ac:chgData name="Rubio Ricky" userId="2a36842406a73175" providerId="LiveId" clId="{3B6F06F3-B7B0-4D5C-BEF8-25AC3830AA87}" dt="2025-04-26T22:22:43.288" v="1548" actId="478"/>
+          <ac:picMkLst>
+            <pc:docMk/>
+            <pc:sldMk cId="3687861036" sldId="261"/>
+            <ac:picMk id="15" creationId="{5F905742-1160-365D-02E5-28A51AE850D8}"/>
+          </ac:picMkLst>
+        </pc:picChg>
+        <pc:picChg chg="add del mod">
+          <ac:chgData name="Rubio Ricky" userId="2a36842406a73175" providerId="LiveId" clId="{3B6F06F3-B7B0-4D5C-BEF8-25AC3830AA87}" dt="2025-04-26T22:22:43.288" v="1548" actId="478"/>
+          <ac:picMkLst>
+            <pc:docMk/>
+            <pc:sldMk cId="3687861036" sldId="261"/>
+            <ac:picMk id="17" creationId="{F2A116CB-9D35-D467-2B49-426B3FEC3B64}"/>
+          </ac:picMkLst>
+        </pc:picChg>
+        <pc:picChg chg="add del mod">
+          <ac:chgData name="Rubio Ricky" userId="2a36842406a73175" providerId="LiveId" clId="{3B6F06F3-B7B0-4D5C-BEF8-25AC3830AA87}" dt="2025-04-26T22:22:43.288" v="1548" actId="478"/>
+          <ac:picMkLst>
+            <pc:docMk/>
+            <pc:sldMk cId="3687861036" sldId="261"/>
+            <ac:picMk id="19" creationId="{D52C07AE-C006-1CDC-20D4-5816860D1B74}"/>
+          </ac:picMkLst>
+        </pc:picChg>
+        <pc:picChg chg="add mod">
+          <ac:chgData name="Rubio Ricky" userId="2a36842406a73175" providerId="LiveId" clId="{3B6F06F3-B7B0-4D5C-BEF8-25AC3830AA87}" dt="2025-04-26T22:23:16.415" v="1552" actId="1076"/>
+          <ac:picMkLst>
+            <pc:docMk/>
+            <pc:sldMk cId="3687861036" sldId="261"/>
+            <ac:picMk id="21" creationId="{6EB25D9F-80A5-323A-CAE3-566D2238BD15}"/>
+          </ac:picMkLst>
+        </pc:picChg>
+      </pc:sldChg>
+      <pc:sldChg chg="modSp new mod">
+        <pc:chgData name="Rubio Ricky" userId="2a36842406a73175" providerId="LiveId" clId="{3B6F06F3-B7B0-4D5C-BEF8-25AC3830AA87}" dt="2025-04-26T22:34:41.863" v="1994" actId="20577"/>
+        <pc:sldMkLst>
+          <pc:docMk/>
+          <pc:sldMk cId="1115372272" sldId="262"/>
+        </pc:sldMkLst>
+        <pc:spChg chg="mod">
+          <ac:chgData name="Rubio Ricky" userId="2a36842406a73175" providerId="LiveId" clId="{3B6F06F3-B7B0-4D5C-BEF8-25AC3830AA87}" dt="2025-04-26T21:55:35.689" v="339" actId="20577"/>
+          <ac:spMkLst>
+            <pc:docMk/>
+            <pc:sldMk cId="1115372272" sldId="262"/>
+            <ac:spMk id="2" creationId="{BAAD43F6-FC95-691B-5732-D90F387D9474}"/>
+          </ac:spMkLst>
+        </pc:spChg>
+        <pc:spChg chg="mod">
+          <ac:chgData name="Rubio Ricky" userId="2a36842406a73175" providerId="LiveId" clId="{3B6F06F3-B7B0-4D5C-BEF8-25AC3830AA87}" dt="2025-04-26T22:34:41.863" v="1994" actId="20577"/>
+          <ac:spMkLst>
+            <pc:docMk/>
+            <pc:sldMk cId="1115372272" sldId="262"/>
+            <ac:spMk id="3" creationId="{91AE52B5-E810-DABA-FDC8-3DBDCFDF29EF}"/>
+          </ac:spMkLst>
+        </pc:spChg>
+      </pc:sldChg>
+      <pc:sldChg chg="addSp delSp modSp new mod ord">
+        <pc:chgData name="Rubio Ricky" userId="2a36842406a73175" providerId="LiveId" clId="{3B6F06F3-B7B0-4D5C-BEF8-25AC3830AA87}" dt="2025-04-26T22:29:28.001" v="1773" actId="14100"/>
+        <pc:sldMkLst>
+          <pc:docMk/>
+          <pc:sldMk cId="2796970921" sldId="263"/>
+        </pc:sldMkLst>
+        <pc:spChg chg="del">
+          <ac:chgData name="Rubio Ricky" userId="2a36842406a73175" providerId="LiveId" clId="{3B6F06F3-B7B0-4D5C-BEF8-25AC3830AA87}" dt="2025-04-26T22:23:23.919" v="1554" actId="478"/>
+          <ac:spMkLst>
+            <pc:docMk/>
+            <pc:sldMk cId="2796970921" sldId="263"/>
+            <ac:spMk id="2" creationId="{A494E3AC-5569-111C-BC0E-DEB64B3CBDFC}"/>
+          </ac:spMkLst>
+        </pc:spChg>
+        <pc:spChg chg="del mod">
+          <ac:chgData name="Rubio Ricky" userId="2a36842406a73175" providerId="LiveId" clId="{3B6F06F3-B7B0-4D5C-BEF8-25AC3830AA87}" dt="2025-04-26T22:24:14.481" v="1560" actId="931"/>
+          <ac:spMkLst>
+            <pc:docMk/>
+            <pc:sldMk cId="2796970921" sldId="263"/>
+            <ac:spMk id="3" creationId="{00DCC3CA-0D8A-12EB-94CF-982A75F46932}"/>
+          </ac:spMkLst>
+        </pc:spChg>
+        <pc:picChg chg="add mod">
+          <ac:chgData name="Rubio Ricky" userId="2a36842406a73175" providerId="LiveId" clId="{3B6F06F3-B7B0-4D5C-BEF8-25AC3830AA87}" dt="2025-04-26T22:29:28.001" v="1773" actId="14100"/>
+          <ac:picMkLst>
+            <pc:docMk/>
+            <pc:sldMk cId="2796970921" sldId="263"/>
+            <ac:picMk id="5" creationId="{0C797D9C-D7E4-3DF6-73CF-E4A57F78BC5E}"/>
+          </ac:picMkLst>
+        </pc:picChg>
+      </pc:sldChg>
+      <pc:sldChg chg="addSp delSp modSp new mod">
+        <pc:chgData name="Rubio Ricky" userId="2a36842406a73175" providerId="LiveId" clId="{3B6F06F3-B7B0-4D5C-BEF8-25AC3830AA87}" dt="2025-04-26T22:30:02.957" v="1822" actId="14100"/>
+        <pc:sldMkLst>
+          <pc:docMk/>
+          <pc:sldMk cId="198657553" sldId="264"/>
+        </pc:sldMkLst>
+        <pc:spChg chg="mod">
+          <ac:chgData name="Rubio Ricky" userId="2a36842406a73175" providerId="LiveId" clId="{3B6F06F3-B7B0-4D5C-BEF8-25AC3830AA87}" dt="2025-04-26T22:29:58.550" v="1820" actId="14100"/>
+          <ac:spMkLst>
+            <pc:docMk/>
+            <pc:sldMk cId="198657553" sldId="264"/>
+            <ac:spMk id="2" creationId="{13BD4F8D-7C22-6136-D0CF-1233F09C67CF}"/>
+          </ac:spMkLst>
+        </pc:spChg>
+        <pc:spChg chg="del">
+          <ac:chgData name="Rubio Ricky" userId="2a36842406a73175" providerId="LiveId" clId="{3B6F06F3-B7B0-4D5C-BEF8-25AC3830AA87}" dt="2025-04-26T22:23:53.264" v="1557" actId="931"/>
+          <ac:spMkLst>
+            <pc:docMk/>
+            <pc:sldMk cId="198657553" sldId="264"/>
+            <ac:spMk id="3" creationId="{2F752032-C47D-4C2D-19E4-00A9F358670E}"/>
+          </ac:spMkLst>
+        </pc:spChg>
+        <pc:picChg chg="add mod">
+          <ac:chgData name="Rubio Ricky" userId="2a36842406a73175" providerId="LiveId" clId="{3B6F06F3-B7B0-4D5C-BEF8-25AC3830AA87}" dt="2025-04-26T22:30:02.957" v="1822" actId="14100"/>
+          <ac:picMkLst>
+            <pc:docMk/>
+            <pc:sldMk cId="198657553" sldId="264"/>
+            <ac:picMk id="5" creationId="{EB69BA54-A486-30C3-8A83-007C00BEC966}"/>
+          </ac:picMkLst>
+        </pc:picChg>
+      </pc:sldChg>
+      <pc:sldChg chg="addSp delSp modSp new mod">
+        <pc:chgData name="Rubio Ricky" userId="2a36842406a73175" providerId="LiveId" clId="{3B6F06F3-B7B0-4D5C-BEF8-25AC3830AA87}" dt="2025-04-26T22:29:17.671" v="1769" actId="14100"/>
+        <pc:sldMkLst>
+          <pc:docMk/>
+          <pc:sldMk cId="2170651489" sldId="265"/>
+        </pc:sldMkLst>
+        <pc:spChg chg="mod">
+          <ac:chgData name="Rubio Ricky" userId="2a36842406a73175" providerId="LiveId" clId="{3B6F06F3-B7B0-4D5C-BEF8-25AC3830AA87}" dt="2025-04-26T22:29:14.527" v="1768" actId="14100"/>
+          <ac:spMkLst>
+            <pc:docMk/>
+            <pc:sldMk cId="2170651489" sldId="265"/>
+            <ac:spMk id="2" creationId="{703D72DD-E759-C9F9-9ACE-0149D399C130}"/>
+          </ac:spMkLst>
+        </pc:spChg>
+        <pc:spChg chg="del">
+          <ac:chgData name="Rubio Ricky" userId="2a36842406a73175" providerId="LiveId" clId="{3B6F06F3-B7B0-4D5C-BEF8-25AC3830AA87}" dt="2025-04-26T22:24:42.226" v="1565" actId="931"/>
+          <ac:spMkLst>
+            <pc:docMk/>
+            <pc:sldMk cId="2170651489" sldId="265"/>
+            <ac:spMk id="3" creationId="{FA1428D4-6AF4-C631-D268-4947B6166204}"/>
+          </ac:spMkLst>
+        </pc:spChg>
+        <pc:picChg chg="add mod">
+          <ac:chgData name="Rubio Ricky" userId="2a36842406a73175" providerId="LiveId" clId="{3B6F06F3-B7B0-4D5C-BEF8-25AC3830AA87}" dt="2025-04-26T22:29:17.671" v="1769" actId="14100"/>
+          <ac:picMkLst>
+            <pc:docMk/>
+            <pc:sldMk cId="2170651489" sldId="265"/>
+            <ac:picMk id="5" creationId="{15069A26-88CE-C871-3A49-7A36108FE94C}"/>
+          </ac:picMkLst>
+        </pc:picChg>
+      </pc:sldChg>
+      <pc:sldChg chg="addSp delSp modSp new mod">
+        <pc:chgData name="Rubio Ricky" userId="2a36842406a73175" providerId="LiveId" clId="{3B6F06F3-B7B0-4D5C-BEF8-25AC3830AA87}" dt="2025-04-26T22:28:22.169" v="1720" actId="14100"/>
+        <pc:sldMkLst>
+          <pc:docMk/>
+          <pc:sldMk cId="563142358" sldId="266"/>
+        </pc:sldMkLst>
+        <pc:spChg chg="mod">
+          <ac:chgData name="Rubio Ricky" userId="2a36842406a73175" providerId="LiveId" clId="{3B6F06F3-B7B0-4D5C-BEF8-25AC3830AA87}" dt="2025-04-26T22:28:16.035" v="1718" actId="14100"/>
+          <ac:spMkLst>
+            <pc:docMk/>
+            <pc:sldMk cId="563142358" sldId="266"/>
+            <ac:spMk id="2" creationId="{B1C209AA-E7AE-DBC7-DD25-F04D9B2F907E}"/>
+          </ac:spMkLst>
+        </pc:spChg>
+        <pc:spChg chg="del">
+          <ac:chgData name="Rubio Ricky" userId="2a36842406a73175" providerId="LiveId" clId="{3B6F06F3-B7B0-4D5C-BEF8-25AC3830AA87}" dt="2025-04-26T22:25:15.939" v="1567" actId="931"/>
+          <ac:spMkLst>
+            <pc:docMk/>
+            <pc:sldMk cId="563142358" sldId="266"/>
+            <ac:spMk id="3" creationId="{C88B7C9A-568D-8A68-F0A2-9F4E8E88A46E}"/>
+          </ac:spMkLst>
+        </pc:spChg>
+        <pc:picChg chg="add mod">
+          <ac:chgData name="Rubio Ricky" userId="2a36842406a73175" providerId="LiveId" clId="{3B6F06F3-B7B0-4D5C-BEF8-25AC3830AA87}" dt="2025-04-26T22:28:22.169" v="1720" actId="14100"/>
+          <ac:picMkLst>
+            <pc:docMk/>
+            <pc:sldMk cId="563142358" sldId="266"/>
+            <ac:picMk id="5" creationId="{BA3AEA07-511A-6630-7CD8-E4ECEA60D1FB}"/>
+          </ac:picMkLst>
+        </pc:picChg>
+      </pc:sldChg>
+      <pc:sldChg chg="addSp delSp modSp new mod">
+        <pc:chgData name="Rubio Ricky" userId="2a36842406a73175" providerId="LiveId" clId="{3B6F06F3-B7B0-4D5C-BEF8-25AC3830AA87}" dt="2025-04-26T22:27:48.075" v="1692" actId="14100"/>
+        <pc:sldMkLst>
+          <pc:docMk/>
+          <pc:sldMk cId="1946259034" sldId="267"/>
+        </pc:sldMkLst>
+        <pc:spChg chg="mod">
+          <ac:chgData name="Rubio Ricky" userId="2a36842406a73175" providerId="LiveId" clId="{3B6F06F3-B7B0-4D5C-BEF8-25AC3830AA87}" dt="2025-04-26T22:27:41.228" v="1690" actId="14100"/>
+          <ac:spMkLst>
+            <pc:docMk/>
+            <pc:sldMk cId="1946259034" sldId="267"/>
+            <ac:spMk id="2" creationId="{387524B9-B7C0-8621-C9F9-6E8D3BE0C052}"/>
+          </ac:spMkLst>
+        </pc:spChg>
+        <pc:spChg chg="del">
+          <ac:chgData name="Rubio Ricky" userId="2a36842406a73175" providerId="LiveId" clId="{3B6F06F3-B7B0-4D5C-BEF8-25AC3830AA87}" dt="2025-04-26T22:25:46.528" v="1568" actId="931"/>
+          <ac:spMkLst>
+            <pc:docMk/>
+            <pc:sldMk cId="1946259034" sldId="267"/>
+            <ac:spMk id="3" creationId="{EB028610-59C2-0A7A-9158-AE17711732E2}"/>
+          </ac:spMkLst>
+        </pc:spChg>
+        <pc:picChg chg="add mod">
+          <ac:chgData name="Rubio Ricky" userId="2a36842406a73175" providerId="LiveId" clId="{3B6F06F3-B7B0-4D5C-BEF8-25AC3830AA87}" dt="2025-04-26T22:27:48.075" v="1692" actId="14100"/>
+          <ac:picMkLst>
+            <pc:docMk/>
+            <pc:sldMk cId="1946259034" sldId="267"/>
+            <ac:picMk id="5" creationId="{8435DBE8-051F-60E9-FF2E-F17D2855189B}"/>
+          </ac:picMkLst>
+        </pc:picChg>
+      </pc:sldChg>
+      <pc:sldChg chg="addSp delSp modSp new mod">
+        <pc:chgData name="Rubio Ricky" userId="2a36842406a73175" providerId="LiveId" clId="{3B6F06F3-B7B0-4D5C-BEF8-25AC3830AA87}" dt="2025-04-26T22:28:45.230" v="1743" actId="14100"/>
+        <pc:sldMkLst>
+          <pc:docMk/>
+          <pc:sldMk cId="3057817570" sldId="268"/>
+        </pc:sldMkLst>
+        <pc:spChg chg="mod">
+          <ac:chgData name="Rubio Ricky" userId="2a36842406a73175" providerId="LiveId" clId="{3B6F06F3-B7B0-4D5C-BEF8-25AC3830AA87}" dt="2025-04-26T22:28:42.743" v="1742" actId="14100"/>
+          <ac:spMkLst>
+            <pc:docMk/>
+            <pc:sldMk cId="3057817570" sldId="268"/>
+            <ac:spMk id="2" creationId="{6DA39B9B-5CB4-703F-1070-DEB267AD9C59}"/>
+          </ac:spMkLst>
+        </pc:spChg>
+        <pc:spChg chg="del">
+          <ac:chgData name="Rubio Ricky" userId="2a36842406a73175" providerId="LiveId" clId="{3B6F06F3-B7B0-4D5C-BEF8-25AC3830AA87}" dt="2025-04-26T22:25:03.820" v="1566" actId="931"/>
+          <ac:spMkLst>
+            <pc:docMk/>
+            <pc:sldMk cId="3057817570" sldId="268"/>
+            <ac:spMk id="3" creationId="{27A2AE34-C343-C771-1723-43C8119FEEB7}"/>
+          </ac:spMkLst>
+        </pc:spChg>
+        <pc:picChg chg="add mod">
+          <ac:chgData name="Rubio Ricky" userId="2a36842406a73175" providerId="LiveId" clId="{3B6F06F3-B7B0-4D5C-BEF8-25AC3830AA87}" dt="2025-04-26T22:28:45.230" v="1743" actId="14100"/>
+          <ac:picMkLst>
+            <pc:docMk/>
+            <pc:sldMk cId="3057817570" sldId="268"/>
+            <ac:picMk id="5" creationId="{8BDEB613-3A65-168F-3806-58EC5C6B6266}"/>
+          </ac:picMkLst>
+        </pc:picChg>
+      </pc:sldChg>
+      <pc:sldChg chg="addSp delSp modSp new mod">
+        <pc:chgData name="Rubio Ricky" userId="2a36842406a73175" providerId="LiveId" clId="{3B6F06F3-B7B0-4D5C-BEF8-25AC3830AA87}" dt="2025-04-26T22:27:02.505" v="1641" actId="20577"/>
+        <pc:sldMkLst>
+          <pc:docMk/>
+          <pc:sldMk cId="4183359820" sldId="269"/>
+        </pc:sldMkLst>
+        <pc:spChg chg="mod">
+          <ac:chgData name="Rubio Ricky" userId="2a36842406a73175" providerId="LiveId" clId="{3B6F06F3-B7B0-4D5C-BEF8-25AC3830AA87}" dt="2025-04-26T22:27:02.505" v="1641" actId="20577"/>
+          <ac:spMkLst>
+            <pc:docMk/>
+            <pc:sldMk cId="4183359820" sldId="269"/>
+            <ac:spMk id="2" creationId="{9385E822-DCD0-F613-031F-F9871554033C}"/>
+          </ac:spMkLst>
+        </pc:spChg>
+        <pc:spChg chg="del">
+          <ac:chgData name="Rubio Ricky" userId="2a36842406a73175" providerId="LiveId" clId="{3B6F06F3-B7B0-4D5C-BEF8-25AC3830AA87}" dt="2025-04-26T22:26:12.946" v="1570" actId="931"/>
+          <ac:spMkLst>
+            <pc:docMk/>
+            <pc:sldMk cId="4183359820" sldId="269"/>
+            <ac:spMk id="3" creationId="{49962923-56A2-1E7B-7A60-180DA683B6C3}"/>
+          </ac:spMkLst>
+        </pc:spChg>
+        <pc:picChg chg="add mod">
+          <ac:chgData name="Rubio Ricky" userId="2a36842406a73175" providerId="LiveId" clId="{3B6F06F3-B7B0-4D5C-BEF8-25AC3830AA87}" dt="2025-04-26T22:26:12.946" v="1570" actId="931"/>
+          <ac:picMkLst>
+            <pc:docMk/>
+            <pc:sldMk cId="4183359820" sldId="269"/>
+            <ac:picMk id="5" creationId="{94D1200F-FD4E-4215-EF5B-3350C715B180}"/>
+          </ac:picMkLst>
+        </pc:picChg>
+      </pc:sldChg>
+      <pc:sldChg chg="delSp modSp new mod">
+        <pc:chgData name="Rubio Ricky" userId="2a36842406a73175" providerId="LiveId" clId="{3B6F06F3-B7B0-4D5C-BEF8-25AC3830AA87}" dt="2025-04-26T22:35:13.190" v="2010" actId="1076"/>
+        <pc:sldMkLst>
+          <pc:docMk/>
+          <pc:sldMk cId="2569551935" sldId="270"/>
+        </pc:sldMkLst>
+        <pc:spChg chg="mod">
+          <ac:chgData name="Rubio Ricky" userId="2a36842406a73175" providerId="LiveId" clId="{3B6F06F3-B7B0-4D5C-BEF8-25AC3830AA87}" dt="2025-04-26T22:35:13.190" v="2010" actId="1076"/>
+          <ac:spMkLst>
+            <pc:docMk/>
+            <pc:sldMk cId="2569551935" sldId="270"/>
+            <ac:spMk id="2" creationId="{DFED0830-280A-3962-033E-32162EF9B4A9}"/>
+          </ac:spMkLst>
+        </pc:spChg>
+        <pc:spChg chg="del">
+          <ac:chgData name="Rubio Ricky" userId="2a36842406a73175" providerId="LiveId" clId="{3B6F06F3-B7B0-4D5C-BEF8-25AC3830AA87}" dt="2025-04-26T22:34:54.288" v="1996" actId="478"/>
+          <ac:spMkLst>
+            <pc:docMk/>
+            <pc:sldMk cId="2569551935" sldId="270"/>
+            <ac:spMk id="3" creationId="{9120CC2F-AB39-A6D3-B656-4B9D389721DC}"/>
           </ac:spMkLst>
         </pc:spChg>
       </pc:sldChg>
@@ -6009,6 +6710,819 @@
 </p:sld>
 </file>
 
+<file path=ppt/slides/slide10.xml><?xml version="1.0" encoding="utf-8"?>
+<p:sld xmlns:a="http://schemas.openxmlformats.org/drawingml/2006/main" xmlns:r="http://schemas.openxmlformats.org/officeDocument/2006/relationships" xmlns:p="http://schemas.openxmlformats.org/presentationml/2006/main">
+  <p:cSld>
+    <p:spTree>
+      <p:nvGrpSpPr>
+        <p:cNvPr id="1" name=""/>
+        <p:cNvGrpSpPr/>
+        <p:nvPr/>
+      </p:nvGrpSpPr>
+      <p:grpSpPr>
+        <a:xfrm>
+          <a:off x="0" y="0"/>
+          <a:ext cx="0" cy="0"/>
+          <a:chOff x="0" y="0"/>
+          <a:chExt cx="0" cy="0"/>
+        </a:xfrm>
+      </p:grpSpPr>
+      <p:sp>
+        <p:nvSpPr>
+          <p:cNvPr id="2" name="Title 1">
+            <a:extLst>
+              <a:ext uri="{FF2B5EF4-FFF2-40B4-BE49-F238E27FC236}">
+                <a16:creationId xmlns:a16="http://schemas.microsoft.com/office/drawing/2014/main" id="{6DA39B9B-5CB4-703F-1070-DEB267AD9C59}"/>
+              </a:ext>
+            </a:extLst>
+          </p:cNvPr>
+          <p:cNvSpPr>
+            <a:spLocks noGrp="1"/>
+          </p:cNvSpPr>
+          <p:nvPr>
+            <p:ph type="title"/>
+          </p:nvPr>
+        </p:nvSpPr>
+        <p:spPr>
+          <a:xfrm>
+            <a:off x="677334" y="609600"/>
+            <a:ext cx="8596668" cy="434196"/>
+          </a:xfrm>
+        </p:spPr>
+        <p:txBody>
+          <a:bodyPr>
+            <a:normAutofit/>
+          </a:bodyPr>
+          <a:lstStyle/>
+          <a:p>
+            <a:r>
+              <a:rPr lang="en-US" sz="2000" dirty="0"/>
+              <a:t>Admin user dashboard</a:t>
+            </a:r>
+            <a:endParaRPr lang="en-KE" sz="2000" dirty="0"/>
+          </a:p>
+        </p:txBody>
+      </p:sp>
+      <p:pic>
+        <p:nvPicPr>
+          <p:cNvPr id="5" name="Content Placeholder 4">
+            <a:extLst>
+              <a:ext uri="{FF2B5EF4-FFF2-40B4-BE49-F238E27FC236}">
+                <a16:creationId xmlns:a16="http://schemas.microsoft.com/office/drawing/2014/main" id="{8BDEB613-3A65-168F-3806-58EC5C6B6266}"/>
+              </a:ext>
+            </a:extLst>
+          </p:cNvPr>
+          <p:cNvPicPr>
+            <a:picLocks noGrp="1" noChangeAspect="1"/>
+          </p:cNvPicPr>
+          <p:nvPr>
+            <p:ph idx="1"/>
+          </p:nvPr>
+        </p:nvPicPr>
+        <p:blipFill>
+          <a:blip r:embed="rId2">
+            <a:extLst>
+              <a:ext uri="{28A0092B-C50C-407E-A947-70E740481C1C}">
+                <a14:useLocalDpi xmlns:a14="http://schemas.microsoft.com/office/drawing/2010/main" val="0"/>
+              </a:ext>
+            </a:extLst>
+          </a:blip>
+          <a:stretch>
+            <a:fillRect/>
+          </a:stretch>
+        </p:blipFill>
+        <p:spPr>
+          <a:xfrm>
+            <a:off x="1094582" y="1043796"/>
+            <a:ext cx="7762874" cy="4998229"/>
+          </a:xfrm>
+        </p:spPr>
+      </p:pic>
+    </p:spTree>
+    <p:extLst>
+      <p:ext uri="{BB962C8B-B14F-4D97-AF65-F5344CB8AC3E}">
+        <p14:creationId xmlns:p14="http://schemas.microsoft.com/office/powerpoint/2010/main" val="3057817570"/>
+      </p:ext>
+    </p:extLst>
+  </p:cSld>
+  <p:clrMapOvr>
+    <a:masterClrMapping/>
+  </p:clrMapOvr>
+</p:sld>
+</file>
+
+<file path=ppt/slides/slide11.xml><?xml version="1.0" encoding="utf-8"?>
+<p:sld xmlns:a="http://schemas.openxmlformats.org/drawingml/2006/main" xmlns:r="http://schemas.openxmlformats.org/officeDocument/2006/relationships" xmlns:p="http://schemas.openxmlformats.org/presentationml/2006/main">
+  <p:cSld>
+    <p:spTree>
+      <p:nvGrpSpPr>
+        <p:cNvPr id="1" name=""/>
+        <p:cNvGrpSpPr/>
+        <p:nvPr/>
+      </p:nvGrpSpPr>
+      <p:grpSpPr>
+        <a:xfrm>
+          <a:off x="0" y="0"/>
+          <a:ext cx="0" cy="0"/>
+          <a:chOff x="0" y="0"/>
+          <a:chExt cx="0" cy="0"/>
+        </a:xfrm>
+      </p:grpSpPr>
+      <p:sp>
+        <p:nvSpPr>
+          <p:cNvPr id="2" name="Title 1">
+            <a:extLst>
+              <a:ext uri="{FF2B5EF4-FFF2-40B4-BE49-F238E27FC236}">
+                <a16:creationId xmlns:a16="http://schemas.microsoft.com/office/drawing/2014/main" id="{B1C209AA-E7AE-DBC7-DD25-F04D9B2F907E}"/>
+              </a:ext>
+            </a:extLst>
+          </p:cNvPr>
+          <p:cNvSpPr>
+            <a:spLocks noGrp="1"/>
+          </p:cNvSpPr>
+          <p:nvPr>
+            <p:ph type="title"/>
+          </p:nvPr>
+        </p:nvSpPr>
+        <p:spPr>
+          <a:xfrm>
+            <a:off x="677334" y="609600"/>
+            <a:ext cx="3842908" cy="511834"/>
+          </a:xfrm>
+        </p:spPr>
+        <p:txBody>
+          <a:bodyPr>
+            <a:normAutofit/>
+          </a:bodyPr>
+          <a:lstStyle/>
+          <a:p>
+            <a:r>
+              <a:rPr lang="en-US" sz="1800" dirty="0"/>
+              <a:t>Ordinary user dashboard</a:t>
+            </a:r>
+            <a:endParaRPr lang="en-KE" sz="1800" dirty="0"/>
+          </a:p>
+        </p:txBody>
+      </p:sp>
+      <p:pic>
+        <p:nvPicPr>
+          <p:cNvPr id="5" name="Content Placeholder 4">
+            <a:extLst>
+              <a:ext uri="{FF2B5EF4-FFF2-40B4-BE49-F238E27FC236}">
+                <a16:creationId xmlns:a16="http://schemas.microsoft.com/office/drawing/2014/main" id="{BA3AEA07-511A-6630-7CD8-E4ECEA60D1FB}"/>
+              </a:ext>
+            </a:extLst>
+          </p:cNvPr>
+          <p:cNvPicPr>
+            <a:picLocks noGrp="1" noChangeAspect="1"/>
+          </p:cNvPicPr>
+          <p:nvPr>
+            <p:ph idx="1"/>
+          </p:nvPr>
+        </p:nvPicPr>
+        <p:blipFill>
+          <a:blip r:embed="rId2">
+            <a:extLst>
+              <a:ext uri="{28A0092B-C50C-407E-A947-70E740481C1C}">
+                <a14:useLocalDpi xmlns:a14="http://schemas.microsoft.com/office/drawing/2010/main" val="0"/>
+              </a:ext>
+            </a:extLst>
+          </a:blip>
+          <a:stretch>
+            <a:fillRect/>
+          </a:stretch>
+        </p:blipFill>
+        <p:spPr>
+          <a:xfrm>
+            <a:off x="862642" y="1345722"/>
+            <a:ext cx="7968116" cy="4696304"/>
+          </a:xfrm>
+        </p:spPr>
+      </p:pic>
+    </p:spTree>
+    <p:extLst>
+      <p:ext uri="{BB962C8B-B14F-4D97-AF65-F5344CB8AC3E}">
+        <p14:creationId xmlns:p14="http://schemas.microsoft.com/office/powerpoint/2010/main" val="563142358"/>
+      </p:ext>
+    </p:extLst>
+  </p:cSld>
+  <p:clrMapOvr>
+    <a:masterClrMapping/>
+  </p:clrMapOvr>
+</p:sld>
+</file>
+
+<file path=ppt/slides/slide12.xml><?xml version="1.0" encoding="utf-8"?>
+<p:sld xmlns:a="http://schemas.openxmlformats.org/drawingml/2006/main" xmlns:r="http://schemas.openxmlformats.org/officeDocument/2006/relationships" xmlns:p="http://schemas.openxmlformats.org/presentationml/2006/main">
+  <p:cSld>
+    <p:spTree>
+      <p:nvGrpSpPr>
+        <p:cNvPr id="1" name=""/>
+        <p:cNvGrpSpPr/>
+        <p:nvPr/>
+      </p:nvGrpSpPr>
+      <p:grpSpPr>
+        <a:xfrm>
+          <a:off x="0" y="0"/>
+          <a:ext cx="0" cy="0"/>
+          <a:chOff x="0" y="0"/>
+          <a:chExt cx="0" cy="0"/>
+        </a:xfrm>
+      </p:grpSpPr>
+      <p:sp>
+        <p:nvSpPr>
+          <p:cNvPr id="2" name="Title 1">
+            <a:extLst>
+              <a:ext uri="{FF2B5EF4-FFF2-40B4-BE49-F238E27FC236}">
+                <a16:creationId xmlns:a16="http://schemas.microsoft.com/office/drawing/2014/main" id="{387524B9-B7C0-8621-C9F9-6E8D3BE0C052}"/>
+              </a:ext>
+            </a:extLst>
+          </p:cNvPr>
+          <p:cNvSpPr>
+            <a:spLocks noGrp="1"/>
+          </p:cNvSpPr>
+          <p:nvPr>
+            <p:ph type="title"/>
+          </p:nvPr>
+        </p:nvSpPr>
+        <p:spPr>
+          <a:xfrm>
+            <a:off x="677334" y="609600"/>
+            <a:ext cx="5645828" cy="477328"/>
+          </a:xfrm>
+        </p:spPr>
+        <p:txBody>
+          <a:bodyPr>
+            <a:normAutofit/>
+          </a:bodyPr>
+          <a:lstStyle/>
+          <a:p>
+            <a:r>
+              <a:rPr lang="en-US" sz="1800" dirty="0"/>
+              <a:t>Api that can be interfaced with another system</a:t>
+            </a:r>
+            <a:endParaRPr lang="en-KE" sz="1800" dirty="0"/>
+          </a:p>
+        </p:txBody>
+      </p:sp>
+      <p:pic>
+        <p:nvPicPr>
+          <p:cNvPr id="5" name="Content Placeholder 4">
+            <a:extLst>
+              <a:ext uri="{FF2B5EF4-FFF2-40B4-BE49-F238E27FC236}">
+                <a16:creationId xmlns:a16="http://schemas.microsoft.com/office/drawing/2014/main" id="{8435DBE8-051F-60E9-FF2E-F17D2855189B}"/>
+              </a:ext>
+            </a:extLst>
+          </p:cNvPr>
+          <p:cNvPicPr>
+            <a:picLocks noGrp="1" noChangeAspect="1"/>
+          </p:cNvPicPr>
+          <p:nvPr>
+            <p:ph idx="1"/>
+          </p:nvPr>
+        </p:nvPicPr>
+        <p:blipFill>
+          <a:blip r:embed="rId2">
+            <a:extLst>
+              <a:ext uri="{28A0092B-C50C-407E-A947-70E740481C1C}">
+                <a14:useLocalDpi xmlns:a14="http://schemas.microsoft.com/office/drawing/2010/main" val="0"/>
+              </a:ext>
+            </a:extLst>
+          </a:blip>
+          <a:stretch>
+            <a:fillRect/>
+          </a:stretch>
+        </p:blipFill>
+        <p:spPr>
+          <a:xfrm>
+            <a:off x="554475" y="1164567"/>
+            <a:ext cx="8719700" cy="4835560"/>
+          </a:xfrm>
+        </p:spPr>
+      </p:pic>
+    </p:spTree>
+    <p:extLst>
+      <p:ext uri="{BB962C8B-B14F-4D97-AF65-F5344CB8AC3E}">
+        <p14:creationId xmlns:p14="http://schemas.microsoft.com/office/powerpoint/2010/main" val="1946259034"/>
+      </p:ext>
+    </p:extLst>
+  </p:cSld>
+  <p:clrMapOvr>
+    <a:masterClrMapping/>
+  </p:clrMapOvr>
+</p:sld>
+</file>
+
+<file path=ppt/slides/slide13.xml><?xml version="1.0" encoding="utf-8"?>
+<p:sld xmlns:a="http://schemas.openxmlformats.org/drawingml/2006/main" xmlns:r="http://schemas.openxmlformats.org/officeDocument/2006/relationships" xmlns:p="http://schemas.openxmlformats.org/presentationml/2006/main">
+  <p:cSld>
+    <p:spTree>
+      <p:nvGrpSpPr>
+        <p:cNvPr id="1" name=""/>
+        <p:cNvGrpSpPr/>
+        <p:nvPr/>
+      </p:nvGrpSpPr>
+      <p:grpSpPr>
+        <a:xfrm>
+          <a:off x="0" y="0"/>
+          <a:ext cx="0" cy="0"/>
+          <a:chOff x="0" y="0"/>
+          <a:chExt cx="0" cy="0"/>
+        </a:xfrm>
+      </p:grpSpPr>
+      <p:sp>
+        <p:nvSpPr>
+          <p:cNvPr id="2" name="Title 1">
+            <a:extLst>
+              <a:ext uri="{FF2B5EF4-FFF2-40B4-BE49-F238E27FC236}">
+                <a16:creationId xmlns:a16="http://schemas.microsoft.com/office/drawing/2014/main" id="{9385E822-DCD0-F613-031F-F9871554033C}"/>
+              </a:ext>
+            </a:extLst>
+          </p:cNvPr>
+          <p:cNvSpPr>
+            <a:spLocks noGrp="1"/>
+          </p:cNvSpPr>
+          <p:nvPr>
+            <p:ph type="title"/>
+          </p:nvPr>
+        </p:nvSpPr>
+        <p:spPr/>
+        <p:txBody>
+          <a:bodyPr/>
+          <a:lstStyle/>
+          <a:p>
+            <a:r>
+              <a:rPr lang="en-US" dirty="0"/>
+              <a:t>API view implementation</a:t>
+            </a:r>
+            <a:endParaRPr lang="en-KE" dirty="0"/>
+          </a:p>
+        </p:txBody>
+      </p:sp>
+      <p:pic>
+        <p:nvPicPr>
+          <p:cNvPr id="5" name="Content Placeholder 4">
+            <a:extLst>
+              <a:ext uri="{FF2B5EF4-FFF2-40B4-BE49-F238E27FC236}">
+                <a16:creationId xmlns:a16="http://schemas.microsoft.com/office/drawing/2014/main" id="{94D1200F-FD4E-4215-EF5B-3350C715B180}"/>
+              </a:ext>
+            </a:extLst>
+          </p:cNvPr>
+          <p:cNvPicPr>
+            <a:picLocks noGrp="1" noChangeAspect="1"/>
+          </p:cNvPicPr>
+          <p:nvPr>
+            <p:ph idx="1"/>
+          </p:nvPr>
+        </p:nvPicPr>
+        <p:blipFill>
+          <a:blip r:embed="rId2">
+            <a:extLst>
+              <a:ext uri="{28A0092B-C50C-407E-A947-70E740481C1C}">
+                <a14:useLocalDpi xmlns:a14="http://schemas.microsoft.com/office/drawing/2010/main" val="0"/>
+              </a:ext>
+            </a:extLst>
+          </a:blip>
+          <a:stretch>
+            <a:fillRect/>
+          </a:stretch>
+        </p:blipFill>
+        <p:spPr>
+          <a:xfrm>
+            <a:off x="3268701" y="2160588"/>
+            <a:ext cx="3414635" cy="3881437"/>
+          </a:xfrm>
+        </p:spPr>
+      </p:pic>
+    </p:spTree>
+    <p:extLst>
+      <p:ext uri="{BB962C8B-B14F-4D97-AF65-F5344CB8AC3E}">
+        <p14:creationId xmlns:p14="http://schemas.microsoft.com/office/powerpoint/2010/main" val="4183359820"/>
+      </p:ext>
+    </p:extLst>
+  </p:cSld>
+  <p:clrMapOvr>
+    <a:masterClrMapping/>
+  </p:clrMapOvr>
+</p:sld>
+</file>
+
+<file path=ppt/slides/slide14.xml><?xml version="1.0" encoding="utf-8"?>
+<p:sld xmlns:a="http://schemas.openxmlformats.org/drawingml/2006/main" xmlns:r="http://schemas.openxmlformats.org/officeDocument/2006/relationships" xmlns:p="http://schemas.openxmlformats.org/presentationml/2006/main">
+  <p:cSld>
+    <p:spTree>
+      <p:nvGrpSpPr>
+        <p:cNvPr id="1" name=""/>
+        <p:cNvGrpSpPr/>
+        <p:nvPr/>
+      </p:nvGrpSpPr>
+      <p:grpSpPr>
+        <a:xfrm>
+          <a:off x="0" y="0"/>
+          <a:ext cx="0" cy="0"/>
+          <a:chOff x="0" y="0"/>
+          <a:chExt cx="0" cy="0"/>
+        </a:xfrm>
+      </p:grpSpPr>
+      <p:sp>
+        <p:nvSpPr>
+          <p:cNvPr id="2" name="Title 1">
+            <a:extLst>
+              <a:ext uri="{FF2B5EF4-FFF2-40B4-BE49-F238E27FC236}">
+                <a16:creationId xmlns:a16="http://schemas.microsoft.com/office/drawing/2014/main" id="{BAAD43F6-FC95-691B-5732-D90F387D9474}"/>
+              </a:ext>
+            </a:extLst>
+          </p:cNvPr>
+          <p:cNvSpPr>
+            <a:spLocks noGrp="1"/>
+          </p:cNvSpPr>
+          <p:nvPr>
+            <p:ph type="title"/>
+          </p:nvPr>
+        </p:nvSpPr>
+        <p:spPr/>
+        <p:txBody>
+          <a:bodyPr/>
+          <a:lstStyle/>
+          <a:p>
+            <a:r>
+              <a:rPr lang="en-US" dirty="0"/>
+              <a:t>Conclusion</a:t>
+            </a:r>
+            <a:endParaRPr lang="en-KE" dirty="0"/>
+          </a:p>
+        </p:txBody>
+      </p:sp>
+      <p:sp>
+        <p:nvSpPr>
+          <p:cNvPr id="3" name="Content Placeholder 2">
+            <a:extLst>
+              <a:ext uri="{FF2B5EF4-FFF2-40B4-BE49-F238E27FC236}">
+                <a16:creationId xmlns:a16="http://schemas.microsoft.com/office/drawing/2014/main" id="{91AE52B5-E810-DABA-FDC8-3DBDCFDF29EF}"/>
+              </a:ext>
+            </a:extLst>
+          </p:cNvPr>
+          <p:cNvSpPr>
+            <a:spLocks noGrp="1"/>
+          </p:cNvSpPr>
+          <p:nvPr>
+            <p:ph idx="1"/>
+          </p:nvPr>
+        </p:nvSpPr>
+        <p:spPr/>
+        <p:txBody>
+          <a:bodyPr/>
+          <a:lstStyle/>
+          <a:p>
+            <a:r>
+              <a:rPr lang="en-US" dirty="0"/>
+              <a:t>The system is a simple health information system that has the </a:t>
+            </a:r>
+            <a:r>
+              <a:rPr lang="en-US" dirty="0" err="1"/>
+              <a:t>folloeing</a:t>
+            </a:r>
+            <a:r>
+              <a:rPr lang="en-US" dirty="0"/>
+              <a:t> functionalities:</a:t>
+            </a:r>
+          </a:p>
+          <a:p>
+            <a:pPr lvl="1"/>
+            <a:r>
+              <a:rPr lang="en-US" dirty="0"/>
+              <a:t>A user can:</a:t>
+            </a:r>
+          </a:p>
+          <a:p>
+            <a:pPr lvl="2" indent="-342900">
+              <a:lnSpc>
+                <a:spcPct val="115000"/>
+              </a:lnSpc>
+              <a:buFont typeface="+mj-lt"/>
+              <a:buAutoNum type="arabicPeriod"/>
+              <a:tabLst>
+                <a:tab pos="457200" algn="l"/>
+              </a:tabLst>
+            </a:pPr>
+            <a:r>
+              <a:rPr lang="en-GB" b="1" dirty="0">
+                <a:solidFill>
+                  <a:srgbClr val="000000"/>
+                </a:solidFill>
+                <a:effectLst/>
+                <a:latin typeface="Calibri" panose="020F0502020204030204" pitchFamily="34" charset="0"/>
+                <a:ea typeface="Times New Roman" panose="02020603050405020304" pitchFamily="18" charset="0"/>
+              </a:rPr>
+              <a:t>Create a health program</a:t>
+            </a:r>
+            <a:r>
+              <a:rPr lang="en-GB" dirty="0">
+                <a:solidFill>
+                  <a:srgbClr val="000000"/>
+                </a:solidFill>
+                <a:effectLst/>
+                <a:latin typeface="Calibri" panose="020F0502020204030204" pitchFamily="34" charset="0"/>
+                <a:ea typeface="Times New Roman" panose="02020603050405020304" pitchFamily="18" charset="0"/>
+              </a:rPr>
+              <a:t> – e.g., TB, Malaria, HIV, etc.</a:t>
+            </a:r>
+            <a:endParaRPr lang="en-KE" dirty="0">
+              <a:solidFill>
+                <a:srgbClr val="000000"/>
+              </a:solidFill>
+              <a:effectLst/>
+              <a:latin typeface="Arial" panose="020B0604020202020204" pitchFamily="34" charset="0"/>
+              <a:ea typeface="Arial" panose="020B0604020202020204" pitchFamily="34" charset="0"/>
+            </a:endParaRPr>
+          </a:p>
+          <a:p>
+            <a:pPr lvl="2" indent="-342900">
+              <a:lnSpc>
+                <a:spcPct val="115000"/>
+              </a:lnSpc>
+              <a:buFont typeface="+mj-lt"/>
+              <a:buAutoNum type="arabicPeriod"/>
+              <a:tabLst>
+                <a:tab pos="457200" algn="l"/>
+              </a:tabLst>
+            </a:pPr>
+            <a:r>
+              <a:rPr lang="en-GB" b="1" dirty="0">
+                <a:solidFill>
+                  <a:srgbClr val="000000"/>
+                </a:solidFill>
+                <a:effectLst/>
+                <a:latin typeface="Calibri" panose="020F0502020204030204" pitchFamily="34" charset="0"/>
+                <a:ea typeface="Times New Roman" panose="02020603050405020304" pitchFamily="18" charset="0"/>
+              </a:rPr>
+              <a:t>Register a new client</a:t>
+            </a:r>
+            <a:r>
+              <a:rPr lang="en-GB" dirty="0">
+                <a:solidFill>
+                  <a:srgbClr val="000000"/>
+                </a:solidFill>
+                <a:effectLst/>
+                <a:latin typeface="Calibri" panose="020F0502020204030204" pitchFamily="34" charset="0"/>
+                <a:ea typeface="Times New Roman" panose="02020603050405020304" pitchFamily="18" charset="0"/>
+              </a:rPr>
+              <a:t> in the system.</a:t>
+            </a:r>
+            <a:endParaRPr lang="en-KE" dirty="0">
+              <a:solidFill>
+                <a:srgbClr val="000000"/>
+              </a:solidFill>
+              <a:effectLst/>
+              <a:latin typeface="Arial" panose="020B0604020202020204" pitchFamily="34" charset="0"/>
+              <a:ea typeface="Arial" panose="020B0604020202020204" pitchFamily="34" charset="0"/>
+            </a:endParaRPr>
+          </a:p>
+          <a:p>
+            <a:pPr lvl="2" indent="-342900">
+              <a:lnSpc>
+                <a:spcPct val="115000"/>
+              </a:lnSpc>
+              <a:buFont typeface="+mj-lt"/>
+              <a:buAutoNum type="arabicPeriod"/>
+              <a:tabLst>
+                <a:tab pos="457200" algn="l"/>
+              </a:tabLst>
+            </a:pPr>
+            <a:r>
+              <a:rPr lang="en-GB" b="1" dirty="0" err="1">
+                <a:solidFill>
+                  <a:srgbClr val="000000"/>
+                </a:solidFill>
+                <a:effectLst/>
+                <a:latin typeface="Calibri" panose="020F0502020204030204" pitchFamily="34" charset="0"/>
+                <a:ea typeface="Times New Roman" panose="02020603050405020304" pitchFamily="18" charset="0"/>
+              </a:rPr>
+              <a:t>Enroll</a:t>
+            </a:r>
+            <a:r>
+              <a:rPr lang="en-GB" b="1" dirty="0">
+                <a:solidFill>
+                  <a:srgbClr val="000000"/>
+                </a:solidFill>
+                <a:effectLst/>
+                <a:latin typeface="Calibri" panose="020F0502020204030204" pitchFamily="34" charset="0"/>
+                <a:ea typeface="Times New Roman" panose="02020603050405020304" pitchFamily="18" charset="0"/>
+              </a:rPr>
+              <a:t> a client in one or more programs.</a:t>
+            </a:r>
+            <a:endParaRPr lang="en-KE" dirty="0">
+              <a:solidFill>
+                <a:srgbClr val="000000"/>
+              </a:solidFill>
+              <a:effectLst/>
+              <a:latin typeface="Arial" panose="020B0604020202020204" pitchFamily="34" charset="0"/>
+              <a:ea typeface="Arial" panose="020B0604020202020204" pitchFamily="34" charset="0"/>
+            </a:endParaRPr>
+          </a:p>
+          <a:p>
+            <a:pPr lvl="2" indent="-342900">
+              <a:lnSpc>
+                <a:spcPct val="115000"/>
+              </a:lnSpc>
+              <a:buFont typeface="+mj-lt"/>
+              <a:buAutoNum type="arabicPeriod"/>
+              <a:tabLst>
+                <a:tab pos="457200" algn="l"/>
+              </a:tabLst>
+            </a:pPr>
+            <a:r>
+              <a:rPr lang="en-GB" b="1" dirty="0">
+                <a:solidFill>
+                  <a:srgbClr val="000000"/>
+                </a:solidFill>
+                <a:effectLst/>
+                <a:latin typeface="Calibri" panose="020F0502020204030204" pitchFamily="34" charset="0"/>
+                <a:ea typeface="Times New Roman" panose="02020603050405020304" pitchFamily="18" charset="0"/>
+              </a:rPr>
+              <a:t>Search for a client</a:t>
+            </a:r>
+            <a:r>
+              <a:rPr lang="en-GB" dirty="0">
+                <a:solidFill>
+                  <a:srgbClr val="000000"/>
+                </a:solidFill>
+                <a:effectLst/>
+                <a:latin typeface="Calibri" panose="020F0502020204030204" pitchFamily="34" charset="0"/>
+                <a:ea typeface="Times New Roman" panose="02020603050405020304" pitchFamily="18" charset="0"/>
+              </a:rPr>
+              <a:t> from a list of registered clients.</a:t>
+            </a:r>
+            <a:endParaRPr lang="en-KE" dirty="0">
+              <a:solidFill>
+                <a:srgbClr val="000000"/>
+              </a:solidFill>
+              <a:effectLst/>
+              <a:latin typeface="Arial" panose="020B0604020202020204" pitchFamily="34" charset="0"/>
+              <a:ea typeface="Arial" panose="020B0604020202020204" pitchFamily="34" charset="0"/>
+            </a:endParaRPr>
+          </a:p>
+          <a:p>
+            <a:pPr lvl="2" indent="-342900">
+              <a:lnSpc>
+                <a:spcPct val="115000"/>
+              </a:lnSpc>
+              <a:buFont typeface="+mj-lt"/>
+              <a:buAutoNum type="arabicPeriod"/>
+              <a:tabLst>
+                <a:tab pos="457200" algn="l"/>
+              </a:tabLst>
+            </a:pPr>
+            <a:r>
+              <a:rPr lang="en-GB" b="1" dirty="0">
+                <a:solidFill>
+                  <a:srgbClr val="000000"/>
+                </a:solidFill>
+                <a:effectLst/>
+                <a:latin typeface="Calibri" panose="020F0502020204030204" pitchFamily="34" charset="0"/>
+                <a:ea typeface="Times New Roman" panose="02020603050405020304" pitchFamily="18" charset="0"/>
+              </a:rPr>
+              <a:t>View a client's profile</a:t>
+            </a:r>
+            <a:r>
+              <a:rPr lang="en-GB" dirty="0">
+                <a:solidFill>
+                  <a:srgbClr val="000000"/>
+                </a:solidFill>
+                <a:effectLst/>
+                <a:latin typeface="Calibri" panose="020F0502020204030204" pitchFamily="34" charset="0"/>
+                <a:ea typeface="Times New Roman" panose="02020603050405020304" pitchFamily="18" charset="0"/>
+              </a:rPr>
+              <a:t>, including the programs they are enrolled in.</a:t>
+            </a:r>
+            <a:endParaRPr lang="en-KE" dirty="0">
+              <a:solidFill>
+                <a:srgbClr val="000000"/>
+              </a:solidFill>
+              <a:effectLst/>
+              <a:latin typeface="Arial" panose="020B0604020202020204" pitchFamily="34" charset="0"/>
+              <a:ea typeface="Arial" panose="020B0604020202020204" pitchFamily="34" charset="0"/>
+            </a:endParaRPr>
+          </a:p>
+          <a:p>
+            <a:pPr>
+              <a:buNone/>
+            </a:pPr>
+            <a:r>
+              <a:rPr lang="en-GB" sz="1800" b="1" dirty="0">
+                <a:solidFill>
+                  <a:srgbClr val="000000"/>
+                </a:solidFill>
+                <a:effectLst/>
+                <a:latin typeface="Calibri" panose="020F0502020204030204" pitchFamily="34" charset="0"/>
+                <a:ea typeface="Times New Roman" panose="02020603050405020304" pitchFamily="18" charset="0"/>
+              </a:rPr>
+              <a:t>And an </a:t>
+            </a:r>
+            <a:r>
+              <a:rPr lang="en-GB" sz="1800" b="1" dirty="0" err="1">
+                <a:solidFill>
+                  <a:srgbClr val="000000"/>
+                </a:solidFill>
+                <a:effectLst/>
+                <a:latin typeface="Calibri" panose="020F0502020204030204" pitchFamily="34" charset="0"/>
+                <a:ea typeface="Times New Roman" panose="02020603050405020304" pitchFamily="18" charset="0"/>
+              </a:rPr>
+              <a:t>api</a:t>
+            </a:r>
+            <a:r>
+              <a:rPr lang="en-GB" sz="1800" b="1" dirty="0">
+                <a:solidFill>
+                  <a:srgbClr val="000000"/>
+                </a:solidFill>
+                <a:effectLst/>
+                <a:latin typeface="Calibri" panose="020F0502020204030204" pitchFamily="34" charset="0"/>
+                <a:ea typeface="Times New Roman" panose="02020603050405020304" pitchFamily="18" charset="0"/>
+              </a:rPr>
+              <a:t> has been implemented to expose the client profile.</a:t>
+            </a:r>
+            <a:endParaRPr lang="en-KE" dirty="0"/>
+          </a:p>
+        </p:txBody>
+      </p:sp>
+    </p:spTree>
+    <p:extLst>
+      <p:ext uri="{BB962C8B-B14F-4D97-AF65-F5344CB8AC3E}">
+        <p14:creationId xmlns:p14="http://schemas.microsoft.com/office/powerpoint/2010/main" val="1115372272"/>
+      </p:ext>
+    </p:extLst>
+  </p:cSld>
+  <p:clrMapOvr>
+    <a:masterClrMapping/>
+  </p:clrMapOvr>
+</p:sld>
+</file>
+
+<file path=ppt/slides/slide15.xml><?xml version="1.0" encoding="utf-8"?>
+<p:sld xmlns:a="http://schemas.openxmlformats.org/drawingml/2006/main" xmlns:r="http://schemas.openxmlformats.org/officeDocument/2006/relationships" xmlns:p="http://schemas.openxmlformats.org/presentationml/2006/main">
+  <p:cSld>
+    <p:spTree>
+      <p:nvGrpSpPr>
+        <p:cNvPr id="1" name=""/>
+        <p:cNvGrpSpPr/>
+        <p:nvPr/>
+      </p:nvGrpSpPr>
+      <p:grpSpPr>
+        <a:xfrm>
+          <a:off x="0" y="0"/>
+          <a:ext cx="0" cy="0"/>
+          <a:chOff x="0" y="0"/>
+          <a:chExt cx="0" cy="0"/>
+        </a:xfrm>
+      </p:grpSpPr>
+      <p:sp>
+        <p:nvSpPr>
+          <p:cNvPr id="2" name="Title 1">
+            <a:extLst>
+              <a:ext uri="{FF2B5EF4-FFF2-40B4-BE49-F238E27FC236}">
+                <a16:creationId xmlns:a16="http://schemas.microsoft.com/office/drawing/2014/main" id="{DFED0830-280A-3962-033E-32162EF9B4A9}"/>
+              </a:ext>
+            </a:extLst>
+          </p:cNvPr>
+          <p:cNvSpPr>
+            <a:spLocks noGrp="1"/>
+          </p:cNvSpPr>
+          <p:nvPr>
+            <p:ph type="title"/>
+          </p:nvPr>
+        </p:nvSpPr>
+        <p:spPr>
+          <a:xfrm>
+            <a:off x="418542" y="2421147"/>
+            <a:ext cx="8596668" cy="1320800"/>
+          </a:xfrm>
+        </p:spPr>
+        <p:txBody>
+          <a:bodyPr/>
+          <a:lstStyle/>
+          <a:p>
+            <a:pPr algn="ctr"/>
+            <a:r>
+              <a:rPr lang="en-US" dirty="0"/>
+              <a:t>The End</a:t>
+            </a:r>
+            <a:endParaRPr lang="en-KE" dirty="0"/>
+          </a:p>
+        </p:txBody>
+      </p:sp>
+    </p:spTree>
+    <p:extLst>
+      <p:ext uri="{BB962C8B-B14F-4D97-AF65-F5344CB8AC3E}">
+        <p14:creationId xmlns:p14="http://schemas.microsoft.com/office/powerpoint/2010/main" val="2569551935"/>
+      </p:ext>
+    </p:extLst>
+  </p:cSld>
+  <p:clrMapOvr>
+    <a:masterClrMapping/>
+  </p:clrMapOvr>
+</p:sld>
+</file>
+
 <file path=ppt/slides/slide2.xml><?xml version="1.0" encoding="utf-8"?>
 <p:sld xmlns:a="http://schemas.openxmlformats.org/drawingml/2006/main" xmlns:r="http://schemas.openxmlformats.org/officeDocument/2006/relationships" xmlns:p="http://schemas.openxmlformats.org/presentationml/2006/main">
   <p:cSld>
@@ -6031,6 +7545,126 @@
           <p:cNvPr id="2" name="Title 1">
             <a:extLst>
               <a:ext uri="{FF2B5EF4-FFF2-40B4-BE49-F238E27FC236}">
+                <a16:creationId xmlns:a16="http://schemas.microsoft.com/office/drawing/2014/main" id="{B66028AE-40E1-C67A-68C1-0A8F3407831B}"/>
+              </a:ext>
+            </a:extLst>
+          </p:cNvPr>
+          <p:cNvSpPr>
+            <a:spLocks noGrp="1"/>
+          </p:cNvSpPr>
+          <p:nvPr>
+            <p:ph type="title"/>
+          </p:nvPr>
+        </p:nvSpPr>
+        <p:spPr/>
+        <p:txBody>
+          <a:bodyPr/>
+          <a:lstStyle/>
+          <a:p>
+            <a:r>
+              <a:rPr lang="en-US" dirty="0"/>
+              <a:t>Content:</a:t>
+            </a:r>
+            <a:endParaRPr lang="en-KE" dirty="0"/>
+          </a:p>
+        </p:txBody>
+      </p:sp>
+      <p:sp>
+        <p:nvSpPr>
+          <p:cNvPr id="3" name="Content Placeholder 2">
+            <a:extLst>
+              <a:ext uri="{FF2B5EF4-FFF2-40B4-BE49-F238E27FC236}">
+                <a16:creationId xmlns:a16="http://schemas.microsoft.com/office/drawing/2014/main" id="{7F37D342-F487-2E5C-51D0-9A2D96C0F479}"/>
+              </a:ext>
+            </a:extLst>
+          </p:cNvPr>
+          <p:cNvSpPr>
+            <a:spLocks noGrp="1"/>
+          </p:cNvSpPr>
+          <p:nvPr>
+            <p:ph idx="1"/>
+          </p:nvPr>
+        </p:nvSpPr>
+        <p:spPr/>
+        <p:txBody>
+          <a:bodyPr/>
+          <a:lstStyle/>
+          <a:p>
+            <a:r>
+              <a:rPr lang="en-US" dirty="0"/>
+              <a:t>Links </a:t>
+            </a:r>
+          </a:p>
+          <a:p>
+            <a:r>
+              <a:rPr lang="en-US" dirty="0"/>
+              <a:t>Approach</a:t>
+            </a:r>
+          </a:p>
+          <a:p>
+            <a:r>
+              <a:rPr lang="en-US" dirty="0"/>
+              <a:t>Design </a:t>
+            </a:r>
+          </a:p>
+          <a:p>
+            <a:r>
+              <a:rPr lang="en-US" dirty="0"/>
+              <a:t>Solution</a:t>
+            </a:r>
+          </a:p>
+          <a:p>
+            <a:r>
+              <a:rPr lang="en-US" dirty="0"/>
+              <a:t>Conclusion</a:t>
+            </a:r>
+          </a:p>
+          <a:p>
+            <a:pPr marL="0" indent="0">
+              <a:buNone/>
+            </a:pPr>
+            <a:endParaRPr lang="en-US" dirty="0"/>
+          </a:p>
+          <a:p>
+            <a:endParaRPr lang="en-KE" dirty="0"/>
+          </a:p>
+        </p:txBody>
+      </p:sp>
+    </p:spTree>
+    <p:extLst>
+      <p:ext uri="{BB962C8B-B14F-4D97-AF65-F5344CB8AC3E}">
+        <p14:creationId xmlns:p14="http://schemas.microsoft.com/office/powerpoint/2010/main" val="2435451381"/>
+      </p:ext>
+    </p:extLst>
+  </p:cSld>
+  <p:clrMapOvr>
+    <a:masterClrMapping/>
+  </p:clrMapOvr>
+</p:sld>
+</file>
+
+<file path=ppt/slides/slide3.xml><?xml version="1.0" encoding="utf-8"?>
+<p:sld xmlns:a="http://schemas.openxmlformats.org/drawingml/2006/main" xmlns:r="http://schemas.openxmlformats.org/officeDocument/2006/relationships" xmlns:p="http://schemas.openxmlformats.org/presentationml/2006/main">
+  <p:cSld>
+    <p:spTree>
+      <p:nvGrpSpPr>
+        <p:cNvPr id="1" name=""/>
+        <p:cNvGrpSpPr/>
+        <p:nvPr/>
+      </p:nvGrpSpPr>
+      <p:grpSpPr>
+        <a:xfrm>
+          <a:off x="0" y="0"/>
+          <a:ext cx="0" cy="0"/>
+          <a:chOff x="0" y="0"/>
+          <a:chExt cx="0" cy="0"/>
+        </a:xfrm>
+      </p:grpSpPr>
+      <p:sp>
+        <p:nvSpPr>
+          <p:cNvPr id="2" name="Title 1">
+            <a:extLst>
+              <a:ext uri="{FF2B5EF4-FFF2-40B4-BE49-F238E27FC236}">
                 <a16:creationId xmlns:a16="http://schemas.microsoft.com/office/drawing/2014/main" id="{E2416710-ECD5-BEDD-02DE-656D33D56658}"/>
               </a:ext>
             </a:extLst>
@@ -6049,7 +7683,7 @@
           <a:p>
             <a:r>
               <a:rPr lang="en-US" dirty="0"/>
-              <a:t>Frontend links</a:t>
+              <a:t>Links</a:t>
             </a:r>
             <a:endParaRPr lang="en-KE" dirty="0"/>
           </a:p>
@@ -6091,25 +7725,8 @@
                 <a:effectLst/>
                 <a:latin typeface="Consolas" panose="020B0609020204030204" pitchFamily="49" charset="0"/>
               </a:rPr>
-              <a:t>/master </a:t>
-            </a:r>
-            <a:r>
-              <a:rPr lang="en-US" b="0">
-                <a:solidFill>
-                  <a:srgbClr val="CE9178"/>
-                </a:solidFill>
-                <a:effectLst/>
-                <a:latin typeface="Consolas" panose="020B0609020204030204" pitchFamily="49" charset="0"/>
-              </a:rPr>
-              <a:t>:login page</a:t>
-            </a:r>
-            <a:endParaRPr lang="en-US" b="0" dirty="0">
-              <a:solidFill>
-                <a:srgbClr val="CE9178"/>
-              </a:solidFill>
-              <a:effectLst/>
-              <a:latin typeface="Consolas" panose="020B0609020204030204" pitchFamily="49" charset="0"/>
-            </a:endParaRPr>
+              <a:t>/master :login page</a:t>
+            </a:r>
           </a:p>
           <a:p>
             <a:pPr lvl="1"/>
@@ -6159,7 +7776,27 @@
             <a:endParaRPr lang="en-US" dirty="0"/>
           </a:p>
           <a:p>
-            <a:endParaRPr lang="en-KE" dirty="0"/>
+            <a:r>
+              <a:rPr lang="en-US" dirty="0"/>
+              <a:t>Deployed links:</a:t>
+            </a:r>
+          </a:p>
+          <a:p>
+            <a:pPr lvl="1"/>
+            <a:r>
+              <a:rPr lang="en-US" dirty="0">
+                <a:hlinkClick r:id="rId2"/>
+              </a:rPr>
+              <a:t>Frontend- https://medicapp-l95e.onrender.com/</a:t>
+            </a:r>
+            <a:endParaRPr lang="en-US" dirty="0"/>
+          </a:p>
+          <a:p>
+            <a:pPr lvl="1"/>
+            <a:r>
+              <a:rPr lang="en-US" dirty="0"/>
+              <a:t>Backend- https://medicappbackend.onrender.com/</a:t>
+            </a:r>
           </a:p>
         </p:txBody>
       </p:sp>
@@ -6167,6 +7804,1784 @@
     <p:extLst>
       <p:ext uri="{BB962C8B-B14F-4D97-AF65-F5344CB8AC3E}">
         <p14:creationId xmlns:p14="http://schemas.microsoft.com/office/powerpoint/2010/main" val="150646111"/>
+      </p:ext>
+    </p:extLst>
+  </p:cSld>
+  <p:clrMapOvr>
+    <a:masterClrMapping/>
+  </p:clrMapOvr>
+</p:sld>
+</file>
+
+<file path=ppt/slides/slide4.xml><?xml version="1.0" encoding="utf-8"?>
+<p:sld xmlns:a="http://schemas.openxmlformats.org/drawingml/2006/main" xmlns:r="http://schemas.openxmlformats.org/officeDocument/2006/relationships" xmlns:p="http://schemas.openxmlformats.org/presentationml/2006/main">
+  <p:cSld>
+    <p:spTree>
+      <p:nvGrpSpPr>
+        <p:cNvPr id="1" name=""/>
+        <p:cNvGrpSpPr/>
+        <p:nvPr/>
+      </p:nvGrpSpPr>
+      <p:grpSpPr>
+        <a:xfrm>
+          <a:off x="0" y="0"/>
+          <a:ext cx="0" cy="0"/>
+          <a:chOff x="0" y="0"/>
+          <a:chExt cx="0" cy="0"/>
+        </a:xfrm>
+      </p:grpSpPr>
+      <p:sp>
+        <p:nvSpPr>
+          <p:cNvPr id="2" name="Title 1">
+            <a:extLst>
+              <a:ext uri="{FF2B5EF4-FFF2-40B4-BE49-F238E27FC236}">
+                <a16:creationId xmlns:a16="http://schemas.microsoft.com/office/drawing/2014/main" id="{B2CC49A5-298D-7504-0E01-1A921F3D945F}"/>
+              </a:ext>
+            </a:extLst>
+          </p:cNvPr>
+          <p:cNvSpPr>
+            <a:spLocks noGrp="1"/>
+          </p:cNvSpPr>
+          <p:nvPr>
+            <p:ph type="title"/>
+          </p:nvPr>
+        </p:nvSpPr>
+        <p:spPr/>
+        <p:txBody>
+          <a:bodyPr/>
+          <a:lstStyle/>
+          <a:p>
+            <a:r>
+              <a:rPr lang="en-US" dirty="0"/>
+              <a:t>Approach</a:t>
+            </a:r>
+            <a:endParaRPr lang="en-KE" dirty="0"/>
+          </a:p>
+        </p:txBody>
+      </p:sp>
+      <p:sp>
+        <p:nvSpPr>
+          <p:cNvPr id="3" name="Content Placeholder 2">
+            <a:extLst>
+              <a:ext uri="{FF2B5EF4-FFF2-40B4-BE49-F238E27FC236}">
+                <a16:creationId xmlns:a16="http://schemas.microsoft.com/office/drawing/2014/main" id="{3D35F585-8BB6-C88D-A2C2-6A2C636C52D9}"/>
+              </a:ext>
+            </a:extLst>
+          </p:cNvPr>
+          <p:cNvSpPr>
+            <a:spLocks noGrp="1"/>
+          </p:cNvSpPr>
+          <p:nvPr>
+            <p:ph idx="1"/>
+          </p:nvPr>
+        </p:nvSpPr>
+        <p:spPr/>
+        <p:txBody>
+          <a:bodyPr/>
+          <a:lstStyle/>
+          <a:p>
+            <a:r>
+              <a:rPr lang="en" sz="1800" dirty="0">
+                <a:effectLst/>
+                <a:latin typeface="Calibri" panose="020F0502020204030204" pitchFamily="34" charset="0"/>
+                <a:ea typeface="Calibri" panose="020F0502020204030204" pitchFamily="34" charset="0"/>
+              </a:rPr>
+              <a:t>The MedicApp takes advantage of react and vite for t</a:t>
+            </a:r>
+            <a:r>
+              <a:rPr lang="en-US" sz="1800" dirty="0">
+                <a:effectLst/>
+                <a:latin typeface="Calibri" panose="020F0502020204030204" pitchFamily="34" charset="0"/>
+                <a:ea typeface="Calibri" panose="020F0502020204030204" pitchFamily="34" charset="0"/>
+              </a:rPr>
+              <a:t>he</a:t>
+            </a:r>
+            <a:r>
+              <a:rPr lang="en" sz="1800" dirty="0">
+                <a:effectLst/>
+                <a:latin typeface="Calibri" panose="020F0502020204030204" pitchFamily="34" charset="0"/>
+                <a:ea typeface="Calibri" panose="020F0502020204030204" pitchFamily="34" charset="0"/>
+              </a:rPr>
+              <a:t> frontend and django for the backend. </a:t>
+            </a:r>
+          </a:p>
+          <a:p>
+            <a:r>
+              <a:rPr lang="en-US" dirty="0">
+                <a:latin typeface="Calibri" panose="020F0502020204030204" pitchFamily="34" charset="0"/>
+              </a:rPr>
+              <a:t>T</a:t>
+            </a:r>
+            <a:r>
+              <a:rPr lang="en" dirty="0">
+                <a:latin typeface="Calibri" panose="020F0502020204030204" pitchFamily="34" charset="0"/>
+              </a:rPr>
+              <a:t>he database is postresql based.</a:t>
+            </a:r>
+          </a:p>
+          <a:p>
+            <a:r>
+              <a:rPr lang="en" dirty="0">
+                <a:latin typeface="Calibri" panose="020F0502020204030204" pitchFamily="34" charset="0"/>
+              </a:rPr>
+              <a:t>The building was initiated by setting up react and vite as well as django using the terminal.</a:t>
+            </a:r>
+          </a:p>
+          <a:p>
+            <a:r>
+              <a:rPr lang="en" dirty="0">
+                <a:latin typeface="Calibri" panose="020F0502020204030204" pitchFamily="34" charset="0"/>
+              </a:rPr>
+              <a:t>Built part of the backend, then some of the frontend then worked on the remaining backend and frontend simultaneously.</a:t>
+            </a:r>
+          </a:p>
+          <a:p>
+            <a:r>
+              <a:rPr lang="en" dirty="0">
+                <a:latin typeface="Calibri" panose="020F0502020204030204" pitchFamily="34" charset="0"/>
+              </a:rPr>
+              <a:t>After functionality testing, </a:t>
+            </a:r>
+            <a:r>
+              <a:rPr lang="en-US" dirty="0">
+                <a:latin typeface="Calibri" panose="020F0502020204030204" pitchFamily="34" charset="0"/>
+              </a:rPr>
+              <a:t>I</a:t>
+            </a:r>
+            <a:r>
+              <a:rPr lang="en" dirty="0">
+                <a:latin typeface="Calibri" panose="020F0502020204030204" pitchFamily="34" charset="0"/>
+              </a:rPr>
+              <a:t> deployed the site on render(the web service, database and static site)</a:t>
+            </a:r>
+            <a:endParaRPr lang="en-KE" dirty="0"/>
+          </a:p>
+        </p:txBody>
+      </p:sp>
+    </p:spTree>
+    <p:extLst>
+      <p:ext uri="{BB962C8B-B14F-4D97-AF65-F5344CB8AC3E}">
+        <p14:creationId xmlns:p14="http://schemas.microsoft.com/office/powerpoint/2010/main" val="3345964672"/>
+      </p:ext>
+    </p:extLst>
+  </p:cSld>
+  <p:clrMapOvr>
+    <a:masterClrMapping/>
+  </p:clrMapOvr>
+</p:sld>
+</file>
+
+<file path=ppt/slides/slide5.xml><?xml version="1.0" encoding="utf-8"?>
+<p:sld xmlns:a="http://schemas.openxmlformats.org/drawingml/2006/main" xmlns:r="http://schemas.openxmlformats.org/officeDocument/2006/relationships" xmlns:p="http://schemas.openxmlformats.org/presentationml/2006/main">
+  <p:cSld>
+    <p:spTree>
+      <p:nvGrpSpPr>
+        <p:cNvPr id="1" name=""/>
+        <p:cNvGrpSpPr/>
+        <p:nvPr/>
+      </p:nvGrpSpPr>
+      <p:grpSpPr>
+        <a:xfrm>
+          <a:off x="0" y="0"/>
+          <a:ext cx="0" cy="0"/>
+          <a:chOff x="0" y="0"/>
+          <a:chExt cx="0" cy="0"/>
+        </a:xfrm>
+      </p:grpSpPr>
+      <p:sp>
+        <p:nvSpPr>
+          <p:cNvPr id="2" name="Title 1">
+            <a:extLst>
+              <a:ext uri="{FF2B5EF4-FFF2-40B4-BE49-F238E27FC236}">
+                <a16:creationId xmlns:a16="http://schemas.microsoft.com/office/drawing/2014/main" id="{F17FE1C7-C2EA-1BB1-5A86-6B5A34E28ACA}"/>
+              </a:ext>
+            </a:extLst>
+          </p:cNvPr>
+          <p:cNvSpPr>
+            <a:spLocks noGrp="1"/>
+          </p:cNvSpPr>
+          <p:nvPr>
+            <p:ph type="title"/>
+          </p:nvPr>
+        </p:nvSpPr>
+        <p:spPr>
+          <a:xfrm>
+            <a:off x="688230" y="253043"/>
+            <a:ext cx="8596668" cy="1320800"/>
+          </a:xfrm>
+        </p:spPr>
+        <p:txBody>
+          <a:bodyPr/>
+          <a:lstStyle/>
+          <a:p>
+            <a:r>
+              <a:rPr lang="en-US" dirty="0"/>
+              <a:t>Design</a:t>
+            </a:r>
+            <a:endParaRPr lang="en-KE" dirty="0"/>
+          </a:p>
+        </p:txBody>
+      </p:sp>
+      <p:sp>
+        <p:nvSpPr>
+          <p:cNvPr id="3" name="Content Placeholder 2">
+            <a:extLst>
+              <a:ext uri="{FF2B5EF4-FFF2-40B4-BE49-F238E27FC236}">
+                <a16:creationId xmlns:a16="http://schemas.microsoft.com/office/drawing/2014/main" id="{DACF3922-D497-13D5-4B18-A4D462E94926}"/>
+              </a:ext>
+            </a:extLst>
+          </p:cNvPr>
+          <p:cNvSpPr>
+            <a:spLocks noGrp="1"/>
+          </p:cNvSpPr>
+          <p:nvPr>
+            <p:ph idx="1"/>
+          </p:nvPr>
+        </p:nvSpPr>
+        <p:spPr>
+          <a:xfrm>
+            <a:off x="688230" y="1056101"/>
+            <a:ext cx="8596668" cy="3880773"/>
+          </a:xfrm>
+        </p:spPr>
+        <p:txBody>
+          <a:bodyPr/>
+          <a:lstStyle/>
+          <a:p>
+            <a:r>
+              <a:rPr lang="en-US" dirty="0"/>
+              <a:t>The design phase was informed by various issues that I opened on git that were informed by the requirements.</a:t>
+            </a:r>
+          </a:p>
+          <a:p>
+            <a:r>
+              <a:rPr lang="en-US" dirty="0"/>
+              <a:t> The following flowchart gives a summary of the design phase</a:t>
+            </a:r>
+            <a:endParaRPr lang="en-KE" dirty="0"/>
+          </a:p>
+        </p:txBody>
+      </p:sp>
+      <p:grpSp>
+        <p:nvGrpSpPr>
+          <p:cNvPr id="51" name="Group 50">
+            <a:extLst>
+              <a:ext uri="{FF2B5EF4-FFF2-40B4-BE49-F238E27FC236}">
+                <a16:creationId xmlns:a16="http://schemas.microsoft.com/office/drawing/2014/main" id="{DCB3F675-AA35-6AB0-22C0-5259B9524F3B}"/>
+              </a:ext>
+            </a:extLst>
+          </p:cNvPr>
+          <p:cNvGrpSpPr/>
+          <p:nvPr/>
+        </p:nvGrpSpPr>
+        <p:grpSpPr>
+          <a:xfrm>
+            <a:off x="940279" y="1751162"/>
+            <a:ext cx="9023230" cy="4580627"/>
+            <a:chOff x="1330949" y="1644773"/>
+            <a:chExt cx="6168449" cy="5252568"/>
+          </a:xfrm>
+        </p:grpSpPr>
+        <p:grpSp>
+          <p:nvGrpSpPr>
+            <p:cNvPr id="49" name="Group 48">
+              <a:extLst>
+                <a:ext uri="{FF2B5EF4-FFF2-40B4-BE49-F238E27FC236}">
+                  <a16:creationId xmlns:a16="http://schemas.microsoft.com/office/drawing/2014/main" id="{4AED2383-2111-5112-4F44-4EC12888C5C0}"/>
+                </a:ext>
+              </a:extLst>
+            </p:cNvPr>
+            <p:cNvGrpSpPr/>
+            <p:nvPr/>
+          </p:nvGrpSpPr>
+          <p:grpSpPr>
+            <a:xfrm>
+              <a:off x="1330949" y="2280593"/>
+              <a:ext cx="2467154" cy="4616748"/>
+              <a:chOff x="576196" y="2257920"/>
+              <a:chExt cx="2467154" cy="4616748"/>
+            </a:xfrm>
+          </p:grpSpPr>
+          <p:grpSp>
+            <p:nvGrpSpPr>
+              <p:cNvPr id="14" name="Group 13">
+                <a:extLst>
+                  <a:ext uri="{FF2B5EF4-FFF2-40B4-BE49-F238E27FC236}">
+                    <a16:creationId xmlns:a16="http://schemas.microsoft.com/office/drawing/2014/main" id="{D7121761-0E1C-45B6-AD66-19BB2863863D}"/>
+                  </a:ext>
+                </a:extLst>
+              </p:cNvPr>
+              <p:cNvGrpSpPr/>
+              <p:nvPr/>
+            </p:nvGrpSpPr>
+            <p:grpSpPr>
+              <a:xfrm>
+                <a:off x="576196" y="2257920"/>
+                <a:ext cx="2467154" cy="2342159"/>
+                <a:chOff x="3759343" y="1930400"/>
+                <a:chExt cx="2467154" cy="2342159"/>
+              </a:xfrm>
+            </p:grpSpPr>
+            <p:grpSp>
+              <p:nvGrpSpPr>
+                <p:cNvPr id="12" name="Group 11">
+                  <a:extLst>
+                    <a:ext uri="{FF2B5EF4-FFF2-40B4-BE49-F238E27FC236}">
+                      <a16:creationId xmlns:a16="http://schemas.microsoft.com/office/drawing/2014/main" id="{8DCF1163-7662-AC8F-CA58-4F544B5EAB8B}"/>
+                    </a:ext>
+                  </a:extLst>
+                </p:cNvPr>
+                <p:cNvGrpSpPr/>
+                <p:nvPr/>
+              </p:nvGrpSpPr>
+              <p:grpSpPr>
+                <a:xfrm>
+                  <a:off x="3759343" y="1930400"/>
+                  <a:ext cx="2432649" cy="1790069"/>
+                  <a:chOff x="3631719" y="1861691"/>
+                  <a:chExt cx="2432649" cy="1790069"/>
+                </a:xfrm>
+              </p:grpSpPr>
+              <p:grpSp>
+                <p:nvGrpSpPr>
+                  <p:cNvPr id="8" name="Group 7">
+                    <a:extLst>
+                      <a:ext uri="{FF2B5EF4-FFF2-40B4-BE49-F238E27FC236}">
+                        <a16:creationId xmlns:a16="http://schemas.microsoft.com/office/drawing/2014/main" id="{7A54E75F-54B3-1ABF-387C-EA9B3204B163}"/>
+                      </a:ext>
+                    </a:extLst>
+                  </p:cNvPr>
+                  <p:cNvGrpSpPr/>
+                  <p:nvPr/>
+                </p:nvGrpSpPr>
+                <p:grpSpPr>
+                  <a:xfrm>
+                    <a:off x="3631719" y="2586398"/>
+                    <a:ext cx="2432649" cy="1065362"/>
+                    <a:chOff x="3579962" y="2876910"/>
+                    <a:chExt cx="2432649" cy="1065362"/>
+                  </a:xfrm>
+                </p:grpSpPr>
+                <p:sp>
+                  <p:nvSpPr>
+                    <p:cNvPr id="4" name="Rectangle 3">
+                      <a:extLst>
+                        <a:ext uri="{FF2B5EF4-FFF2-40B4-BE49-F238E27FC236}">
+                          <a16:creationId xmlns:a16="http://schemas.microsoft.com/office/drawing/2014/main" id="{EE4E983A-0B2A-CE35-F220-6F48857EF8F9}"/>
+                        </a:ext>
+                      </a:extLst>
+                    </p:cNvPr>
+                    <p:cNvSpPr/>
+                    <p:nvPr/>
+                  </p:nvSpPr>
+                  <p:spPr>
+                    <a:xfrm>
+                      <a:off x="3579962" y="2876910"/>
+                      <a:ext cx="2432649" cy="552090"/>
+                    </a:xfrm>
+                    <a:prstGeom prst="rect">
+                      <a:avLst/>
+                    </a:prstGeom>
+                  </p:spPr>
+                  <p:style>
+                    <a:lnRef idx="2">
+                      <a:schemeClr val="accent1">
+                        <a:shade val="15000"/>
+                      </a:schemeClr>
+                    </a:lnRef>
+                    <a:fillRef idx="1">
+                      <a:schemeClr val="accent1"/>
+                    </a:fillRef>
+                    <a:effectRef idx="0">
+                      <a:schemeClr val="accent1"/>
+                    </a:effectRef>
+                    <a:fontRef idx="minor">
+                      <a:schemeClr val="lt1"/>
+                    </a:fontRef>
+                  </p:style>
+                  <p:txBody>
+                    <a:bodyPr rtlCol="0" anchor="ctr"/>
+                    <a:lstStyle/>
+                    <a:p>
+                      <a:pPr algn="ctr"/>
+                      <a:r>
+                        <a:rPr lang="en-US" dirty="0"/>
+                        <a:t>Build sign up and sign in pages</a:t>
+                      </a:r>
+                      <a:endParaRPr lang="en-KE" dirty="0"/>
+                    </a:p>
+                  </p:txBody>
+                </p:sp>
+                <p:cxnSp>
+                  <p:nvCxnSpPr>
+                    <p:cNvPr id="7" name="Straight Arrow Connector 6">
+                      <a:extLst>
+                        <a:ext uri="{FF2B5EF4-FFF2-40B4-BE49-F238E27FC236}">
+                          <a16:creationId xmlns:a16="http://schemas.microsoft.com/office/drawing/2014/main" id="{D9AA1D79-A18F-C66B-93CC-31055BC942A8}"/>
+                        </a:ext>
+                      </a:extLst>
+                    </p:cNvPr>
+                    <p:cNvCxnSpPr/>
+                    <p:nvPr/>
+                  </p:nvCxnSpPr>
+                  <p:spPr>
+                    <a:xfrm>
+                      <a:off x="4830792" y="3429000"/>
+                      <a:ext cx="0" cy="513272"/>
+                    </a:xfrm>
+                    <a:prstGeom prst="straightConnector1">
+                      <a:avLst/>
+                    </a:prstGeom>
+                    <a:ln>
+                      <a:tailEnd type="triangle"/>
+                    </a:ln>
+                  </p:spPr>
+                  <p:style>
+                    <a:lnRef idx="1">
+                      <a:schemeClr val="accent1"/>
+                    </a:lnRef>
+                    <a:fillRef idx="0">
+                      <a:schemeClr val="accent1"/>
+                    </a:fillRef>
+                    <a:effectRef idx="0">
+                      <a:schemeClr val="accent1"/>
+                    </a:effectRef>
+                    <a:fontRef idx="minor">
+                      <a:schemeClr val="tx1"/>
+                    </a:fontRef>
+                  </p:style>
+                </p:cxnSp>
+              </p:grpSp>
+              <p:sp>
+                <p:nvSpPr>
+                  <p:cNvPr id="9" name="Flowchart: Connector 8">
+                    <a:extLst>
+                      <a:ext uri="{FF2B5EF4-FFF2-40B4-BE49-F238E27FC236}">
+                        <a16:creationId xmlns:a16="http://schemas.microsoft.com/office/drawing/2014/main" id="{6628D7C6-AA11-6825-EF48-3B6B947C331D}"/>
+                      </a:ext>
+                    </a:extLst>
+                  </p:cNvPr>
+                  <p:cNvSpPr/>
+                  <p:nvPr/>
+                </p:nvSpPr>
+                <p:spPr>
+                  <a:xfrm>
+                    <a:off x="4710021" y="1861691"/>
+                    <a:ext cx="276046" cy="277962"/>
+                  </a:xfrm>
+                  <a:prstGeom prst="flowChartConnector">
+                    <a:avLst/>
+                  </a:prstGeom>
+                </p:spPr>
+                <p:style>
+                  <a:lnRef idx="2">
+                    <a:schemeClr val="accent1">
+                      <a:shade val="15000"/>
+                    </a:schemeClr>
+                  </a:lnRef>
+                  <a:fillRef idx="1">
+                    <a:schemeClr val="accent1"/>
+                  </a:fillRef>
+                  <a:effectRef idx="0">
+                    <a:schemeClr val="accent1"/>
+                  </a:effectRef>
+                  <a:fontRef idx="minor">
+                    <a:schemeClr val="lt1"/>
+                  </a:fontRef>
+                </p:style>
+                <p:txBody>
+                  <a:bodyPr rtlCol="0" anchor="ctr"/>
+                  <a:lstStyle/>
+                  <a:p>
+                    <a:pPr algn="ctr"/>
+                    <a:endParaRPr lang="en-KE"/>
+                  </a:p>
+                </p:txBody>
+              </p:sp>
+              <p:cxnSp>
+                <p:nvCxnSpPr>
+                  <p:cNvPr id="11" name="Straight Arrow Connector 10">
+                    <a:extLst>
+                      <a:ext uri="{FF2B5EF4-FFF2-40B4-BE49-F238E27FC236}">
+                        <a16:creationId xmlns:a16="http://schemas.microsoft.com/office/drawing/2014/main" id="{5681BEB2-E3E6-2372-CE08-653E267B125A}"/>
+                      </a:ext>
+                    </a:extLst>
+                  </p:cNvPr>
+                  <p:cNvCxnSpPr>
+                    <a:stCxn id="9" idx="4"/>
+                    <a:endCxn id="4" idx="0"/>
+                  </p:cNvCxnSpPr>
+                  <p:nvPr/>
+                </p:nvCxnSpPr>
+                <p:spPr>
+                  <a:xfrm>
+                    <a:off x="4848044" y="2139653"/>
+                    <a:ext cx="0" cy="446745"/>
+                  </a:xfrm>
+                  <a:prstGeom prst="straightConnector1">
+                    <a:avLst/>
+                  </a:prstGeom>
+                  <a:ln>
+                    <a:tailEnd type="triangle"/>
+                  </a:ln>
+                </p:spPr>
+                <p:style>
+                  <a:lnRef idx="1">
+                    <a:schemeClr val="accent1"/>
+                  </a:lnRef>
+                  <a:fillRef idx="0">
+                    <a:schemeClr val="accent1"/>
+                  </a:fillRef>
+                  <a:effectRef idx="0">
+                    <a:schemeClr val="accent1"/>
+                  </a:effectRef>
+                  <a:fontRef idx="minor">
+                    <a:schemeClr val="tx1"/>
+                  </a:fontRef>
+                </p:style>
+              </p:cxnSp>
+            </p:grpSp>
+            <p:sp>
+              <p:nvSpPr>
+                <p:cNvPr id="13" name="Flowchart: Process 12">
+                  <a:extLst>
+                    <a:ext uri="{FF2B5EF4-FFF2-40B4-BE49-F238E27FC236}">
+                      <a16:creationId xmlns:a16="http://schemas.microsoft.com/office/drawing/2014/main" id="{C30DA31B-5F9E-47F1-48B0-DBF13A12ED6F}"/>
+                    </a:ext>
+                  </a:extLst>
+                </p:cNvPr>
+                <p:cNvSpPr/>
+                <p:nvPr/>
+              </p:nvSpPr>
+              <p:spPr>
+                <a:xfrm>
+                  <a:off x="3793848" y="3759287"/>
+                  <a:ext cx="2432649" cy="513272"/>
+                </a:xfrm>
+                <a:prstGeom prst="flowChartProcess">
+                  <a:avLst/>
+                </a:prstGeom>
+              </p:spPr>
+              <p:style>
+                <a:lnRef idx="2">
+                  <a:schemeClr val="accent1">
+                    <a:shade val="15000"/>
+                  </a:schemeClr>
+                </a:lnRef>
+                <a:fillRef idx="1">
+                  <a:schemeClr val="accent1"/>
+                </a:fillRef>
+                <a:effectRef idx="0">
+                  <a:schemeClr val="accent1"/>
+                </a:effectRef>
+                <a:fontRef idx="minor">
+                  <a:schemeClr val="lt1"/>
+                </a:fontRef>
+              </p:style>
+              <p:txBody>
+                <a:bodyPr rtlCol="0" anchor="ctr"/>
+                <a:lstStyle/>
+                <a:p>
+                  <a:pPr algn="ctr"/>
+                  <a:r>
+                    <a:rPr lang="en-US" dirty="0"/>
+                    <a:t>Build landing page for admin</a:t>
+                  </a:r>
+                  <a:endParaRPr lang="en-KE" dirty="0"/>
+                </a:p>
+              </p:txBody>
+            </p:sp>
+          </p:grpSp>
+          <p:sp>
+            <p:nvSpPr>
+              <p:cNvPr id="15" name="Flowchart: Process 14">
+                <a:extLst>
+                  <a:ext uri="{FF2B5EF4-FFF2-40B4-BE49-F238E27FC236}">
+                    <a16:creationId xmlns:a16="http://schemas.microsoft.com/office/drawing/2014/main" id="{4DF40DD5-507D-1A48-2BED-CAF84EC9CA46}"/>
+                  </a:ext>
+                </a:extLst>
+              </p:cNvPr>
+              <p:cNvSpPr/>
+              <p:nvPr/>
+            </p:nvSpPr>
+            <p:spPr>
+              <a:xfrm>
+                <a:off x="649681" y="5027474"/>
+                <a:ext cx="2359164" cy="513272"/>
+              </a:xfrm>
+              <a:prstGeom prst="flowChartProcess">
+                <a:avLst/>
+              </a:prstGeom>
+            </p:spPr>
+            <p:style>
+              <a:lnRef idx="2">
+                <a:schemeClr val="accent1">
+                  <a:shade val="15000"/>
+                </a:schemeClr>
+              </a:lnRef>
+              <a:fillRef idx="1">
+                <a:schemeClr val="accent1"/>
+              </a:fillRef>
+              <a:effectRef idx="0">
+                <a:schemeClr val="accent1"/>
+              </a:effectRef>
+              <a:fontRef idx="minor">
+                <a:schemeClr val="lt1"/>
+              </a:fontRef>
+            </p:style>
+            <p:txBody>
+              <a:bodyPr rtlCol="0" anchor="ctr"/>
+              <a:lstStyle/>
+              <a:p>
+                <a:pPr algn="ctr"/>
+                <a:r>
+                  <a:rPr lang="en-US" dirty="0"/>
+                  <a:t>Build normal user landing page</a:t>
+                </a:r>
+                <a:endParaRPr lang="en-KE" dirty="0"/>
+              </a:p>
+            </p:txBody>
+          </p:sp>
+          <p:cxnSp>
+            <p:nvCxnSpPr>
+              <p:cNvPr id="41" name="Straight Arrow Connector 40">
+                <a:extLst>
+                  <a:ext uri="{FF2B5EF4-FFF2-40B4-BE49-F238E27FC236}">
+                    <a16:creationId xmlns:a16="http://schemas.microsoft.com/office/drawing/2014/main" id="{02C64456-7FCE-91F5-2762-B5302B9B971D}"/>
+                  </a:ext>
+                </a:extLst>
+              </p:cNvPr>
+              <p:cNvCxnSpPr>
+                <a:stCxn id="13" idx="2"/>
+                <a:endCxn id="15" idx="0"/>
+              </p:cNvCxnSpPr>
+              <p:nvPr/>
+            </p:nvCxnSpPr>
+            <p:spPr>
+              <a:xfrm>
+                <a:off x="1827026" y="4600079"/>
+                <a:ext cx="2237" cy="427395"/>
+              </a:xfrm>
+              <a:prstGeom prst="straightConnector1">
+                <a:avLst/>
+              </a:prstGeom>
+              <a:ln>
+                <a:tailEnd type="triangle"/>
+              </a:ln>
+            </p:spPr>
+            <p:style>
+              <a:lnRef idx="1">
+                <a:schemeClr val="accent1"/>
+              </a:lnRef>
+              <a:fillRef idx="0">
+                <a:schemeClr val="accent1"/>
+              </a:fillRef>
+              <a:effectRef idx="0">
+                <a:schemeClr val="accent1"/>
+              </a:effectRef>
+              <a:fontRef idx="minor">
+                <a:schemeClr val="tx1"/>
+              </a:fontRef>
+            </p:style>
+          </p:cxnSp>
+          <p:grpSp>
+            <p:nvGrpSpPr>
+              <p:cNvPr id="48" name="Group 47">
+                <a:extLst>
+                  <a:ext uri="{FF2B5EF4-FFF2-40B4-BE49-F238E27FC236}">
+                    <a16:creationId xmlns:a16="http://schemas.microsoft.com/office/drawing/2014/main" id="{154B9140-4C1D-676B-77A9-E2775993EB59}"/>
+                  </a:ext>
+                </a:extLst>
+              </p:cNvPr>
+              <p:cNvGrpSpPr/>
+              <p:nvPr/>
+            </p:nvGrpSpPr>
+            <p:grpSpPr>
+              <a:xfrm>
+                <a:off x="649680" y="5540746"/>
+                <a:ext cx="2359163" cy="1333922"/>
+                <a:chOff x="649680" y="5540746"/>
+                <a:chExt cx="2359163" cy="1333922"/>
+              </a:xfrm>
+            </p:grpSpPr>
+            <p:sp>
+              <p:nvSpPr>
+                <p:cNvPr id="18" name="Flowchart: Process 17">
+                  <a:extLst>
+                    <a:ext uri="{FF2B5EF4-FFF2-40B4-BE49-F238E27FC236}">
+                      <a16:creationId xmlns:a16="http://schemas.microsoft.com/office/drawing/2014/main" id="{455063C6-E07A-C3D7-F915-716417B5F2AC}"/>
+                    </a:ext>
+                  </a:extLst>
+                </p:cNvPr>
+                <p:cNvSpPr/>
+                <p:nvPr/>
+              </p:nvSpPr>
+              <p:spPr>
+                <a:xfrm>
+                  <a:off x="649680" y="5892409"/>
+                  <a:ext cx="2359163" cy="623973"/>
+                </a:xfrm>
+                <a:prstGeom prst="flowChartProcess">
+                  <a:avLst/>
+                </a:prstGeom>
+              </p:spPr>
+              <p:style>
+                <a:lnRef idx="2">
+                  <a:schemeClr val="accent1">
+                    <a:shade val="15000"/>
+                  </a:schemeClr>
+                </a:lnRef>
+                <a:fillRef idx="1">
+                  <a:schemeClr val="accent1"/>
+                </a:fillRef>
+                <a:effectRef idx="0">
+                  <a:schemeClr val="accent1"/>
+                </a:effectRef>
+                <a:fontRef idx="minor">
+                  <a:schemeClr val="lt1"/>
+                </a:fontRef>
+              </p:style>
+              <p:txBody>
+                <a:bodyPr rtlCol="0" anchor="ctr"/>
+                <a:lstStyle/>
+                <a:p>
+                  <a:pPr algn="ctr"/>
+                  <a:r>
+                    <a:rPr lang="en-US" dirty="0"/>
+                    <a:t>Build pages for each dashboard</a:t>
+                  </a:r>
+                  <a:endParaRPr lang="en-KE" dirty="0"/>
+                </a:p>
+              </p:txBody>
+            </p:sp>
+            <p:cxnSp>
+              <p:nvCxnSpPr>
+                <p:cNvPr id="39" name="Straight Arrow Connector 38">
+                  <a:extLst>
+                    <a:ext uri="{FF2B5EF4-FFF2-40B4-BE49-F238E27FC236}">
+                      <a16:creationId xmlns:a16="http://schemas.microsoft.com/office/drawing/2014/main" id="{7C2F1DB3-06BD-4436-CE4E-6BD709F9F39F}"/>
+                    </a:ext>
+                  </a:extLst>
+                </p:cNvPr>
+                <p:cNvCxnSpPr>
+                  <a:stCxn id="15" idx="2"/>
+                  <a:endCxn id="18" idx="0"/>
+                </p:cNvCxnSpPr>
+                <p:nvPr/>
+              </p:nvCxnSpPr>
+              <p:spPr>
+                <a:xfrm flipH="1">
+                  <a:off x="1829262" y="5540746"/>
+                  <a:ext cx="1" cy="351663"/>
+                </a:xfrm>
+                <a:prstGeom prst="straightConnector1">
+                  <a:avLst/>
+                </a:prstGeom>
+                <a:ln>
+                  <a:tailEnd type="triangle"/>
+                </a:ln>
+              </p:spPr>
+              <p:style>
+                <a:lnRef idx="1">
+                  <a:schemeClr val="accent1"/>
+                </a:lnRef>
+                <a:fillRef idx="0">
+                  <a:schemeClr val="accent1"/>
+                </a:fillRef>
+                <a:effectRef idx="0">
+                  <a:schemeClr val="accent1"/>
+                </a:effectRef>
+                <a:fontRef idx="minor">
+                  <a:schemeClr val="tx1"/>
+                </a:fontRef>
+              </p:style>
+            </p:cxnSp>
+            <p:cxnSp>
+              <p:nvCxnSpPr>
+                <p:cNvPr id="45" name="Straight Arrow Connector 44">
+                  <a:extLst>
+                    <a:ext uri="{FF2B5EF4-FFF2-40B4-BE49-F238E27FC236}">
+                      <a16:creationId xmlns:a16="http://schemas.microsoft.com/office/drawing/2014/main" id="{499F2509-49E5-7578-3BA0-689D2CE2A3D8}"/>
+                    </a:ext>
+                  </a:extLst>
+                </p:cNvPr>
+                <p:cNvCxnSpPr>
+                  <a:stCxn id="18" idx="2"/>
+                </p:cNvCxnSpPr>
+                <p:nvPr/>
+              </p:nvCxnSpPr>
+              <p:spPr>
+                <a:xfrm flipH="1">
+                  <a:off x="1827025" y="6516382"/>
+                  <a:ext cx="2237" cy="246727"/>
+                </a:xfrm>
+                <a:prstGeom prst="straightConnector1">
+                  <a:avLst/>
+                </a:prstGeom>
+                <a:ln>
+                  <a:tailEnd type="triangle"/>
+                </a:ln>
+              </p:spPr>
+              <p:style>
+                <a:lnRef idx="1">
+                  <a:schemeClr val="accent1"/>
+                </a:lnRef>
+                <a:fillRef idx="0">
+                  <a:schemeClr val="accent1"/>
+                </a:fillRef>
+                <a:effectRef idx="0">
+                  <a:schemeClr val="accent1"/>
+                </a:effectRef>
+                <a:fontRef idx="minor">
+                  <a:schemeClr val="tx1"/>
+                </a:fontRef>
+              </p:style>
+            </p:cxnSp>
+            <p:sp>
+              <p:nvSpPr>
+                <p:cNvPr id="46" name="Flowchart: Connector 45">
+                  <a:extLst>
+                    <a:ext uri="{FF2B5EF4-FFF2-40B4-BE49-F238E27FC236}">
+                      <a16:creationId xmlns:a16="http://schemas.microsoft.com/office/drawing/2014/main" id="{52098495-BE26-E8C2-8A44-B1D5540DFDE8}"/>
+                    </a:ext>
+                  </a:extLst>
+                </p:cNvPr>
+                <p:cNvSpPr/>
+                <p:nvPr/>
+              </p:nvSpPr>
+              <p:spPr>
+                <a:xfrm>
+                  <a:off x="1758013" y="6763109"/>
+                  <a:ext cx="138024" cy="111559"/>
+                </a:xfrm>
+                <a:prstGeom prst="flowChartConnector">
+                  <a:avLst/>
+                </a:prstGeom>
+              </p:spPr>
+              <p:style>
+                <a:lnRef idx="2">
+                  <a:schemeClr val="accent1">
+                    <a:shade val="15000"/>
+                  </a:schemeClr>
+                </a:lnRef>
+                <a:fillRef idx="1">
+                  <a:schemeClr val="accent1"/>
+                </a:fillRef>
+                <a:effectRef idx="0">
+                  <a:schemeClr val="accent1"/>
+                </a:effectRef>
+                <a:fontRef idx="minor">
+                  <a:schemeClr val="lt1"/>
+                </a:fontRef>
+              </p:style>
+              <p:txBody>
+                <a:bodyPr rtlCol="0" anchor="ctr"/>
+                <a:lstStyle/>
+                <a:p>
+                  <a:pPr algn="ctr"/>
+                  <a:endParaRPr lang="en-KE"/>
+                </a:p>
+              </p:txBody>
+            </p:sp>
+          </p:grpSp>
+        </p:grpSp>
+        <p:grpSp>
+          <p:nvGrpSpPr>
+            <p:cNvPr id="50" name="Group 49">
+              <a:extLst>
+                <a:ext uri="{FF2B5EF4-FFF2-40B4-BE49-F238E27FC236}">
+                  <a16:creationId xmlns:a16="http://schemas.microsoft.com/office/drawing/2014/main" id="{2FA78819-C1E8-494A-B6E8-1A49DB26DE3F}"/>
+                </a:ext>
+              </a:extLst>
+            </p:cNvPr>
+            <p:cNvGrpSpPr/>
+            <p:nvPr/>
+          </p:nvGrpSpPr>
+          <p:grpSpPr>
+            <a:xfrm>
+              <a:off x="4692601" y="1644773"/>
+              <a:ext cx="2806797" cy="4972596"/>
+              <a:chOff x="4692601" y="1644773"/>
+              <a:chExt cx="2806797" cy="4972596"/>
+            </a:xfrm>
+          </p:grpSpPr>
+          <p:grpSp>
+            <p:nvGrpSpPr>
+              <p:cNvPr id="37" name="Group 36">
+                <a:extLst>
+                  <a:ext uri="{FF2B5EF4-FFF2-40B4-BE49-F238E27FC236}">
+                    <a16:creationId xmlns:a16="http://schemas.microsoft.com/office/drawing/2014/main" id="{BD483BD3-A1E3-42FF-0CC5-243B5A82BC69}"/>
+                  </a:ext>
+                </a:extLst>
+              </p:cNvPr>
+              <p:cNvGrpSpPr/>
+              <p:nvPr/>
+            </p:nvGrpSpPr>
+            <p:grpSpPr>
+              <a:xfrm>
+                <a:off x="4692601" y="2096306"/>
+                <a:ext cx="2806797" cy="4521063"/>
+                <a:chOff x="4566799" y="2081207"/>
+                <a:chExt cx="2806797" cy="4521063"/>
+              </a:xfrm>
+            </p:grpSpPr>
+            <p:sp>
+              <p:nvSpPr>
+                <p:cNvPr id="16" name="Flowchart: Process 15">
+                  <a:extLst>
+                    <a:ext uri="{FF2B5EF4-FFF2-40B4-BE49-F238E27FC236}">
+                      <a16:creationId xmlns:a16="http://schemas.microsoft.com/office/drawing/2014/main" id="{D93E54F5-A4DD-420A-17E6-02449C420AF3}"/>
+                    </a:ext>
+                  </a:extLst>
+                </p:cNvPr>
+                <p:cNvSpPr/>
+                <p:nvPr/>
+              </p:nvSpPr>
+              <p:spPr>
+                <a:xfrm>
+                  <a:off x="4566799" y="2081207"/>
+                  <a:ext cx="2355009" cy="810883"/>
+                </a:xfrm>
+                <a:prstGeom prst="flowChartProcess">
+                  <a:avLst/>
+                </a:prstGeom>
+              </p:spPr>
+              <p:style>
+                <a:lnRef idx="2">
+                  <a:schemeClr val="accent1">
+                    <a:shade val="15000"/>
+                  </a:schemeClr>
+                </a:lnRef>
+                <a:fillRef idx="1">
+                  <a:schemeClr val="accent1"/>
+                </a:fillRef>
+                <a:effectRef idx="0">
+                  <a:schemeClr val="accent1"/>
+                </a:effectRef>
+                <a:fontRef idx="minor">
+                  <a:schemeClr val="lt1"/>
+                </a:fontRef>
+              </p:style>
+              <p:txBody>
+                <a:bodyPr rtlCol="0" anchor="ctr"/>
+                <a:lstStyle/>
+                <a:p>
+                  <a:pPr algn="ctr"/>
+                  <a:r>
+                    <a:rPr lang="en-US" dirty="0"/>
+                    <a:t>Link to the backend</a:t>
+                  </a:r>
+                  <a:endParaRPr lang="en-KE" dirty="0"/>
+                </a:p>
+              </p:txBody>
+            </p:sp>
+            <p:sp>
+              <p:nvSpPr>
+                <p:cNvPr id="17" name="Flowchart: Process 16">
+                  <a:extLst>
+                    <a:ext uri="{FF2B5EF4-FFF2-40B4-BE49-F238E27FC236}">
+                      <a16:creationId xmlns:a16="http://schemas.microsoft.com/office/drawing/2014/main" id="{F4ABE07A-3A58-7E9E-C6D0-7D309D4C5842}"/>
+                    </a:ext>
+                  </a:extLst>
+                </p:cNvPr>
+                <p:cNvSpPr/>
+                <p:nvPr/>
+              </p:nvSpPr>
+              <p:spPr>
+                <a:xfrm>
+                  <a:off x="4717761" y="3658958"/>
+                  <a:ext cx="2053087" cy="513272"/>
+                </a:xfrm>
+                <a:prstGeom prst="flowChartProcess">
+                  <a:avLst/>
+                </a:prstGeom>
+              </p:spPr>
+              <p:style>
+                <a:lnRef idx="2">
+                  <a:schemeClr val="accent1">
+                    <a:shade val="15000"/>
+                  </a:schemeClr>
+                </a:lnRef>
+                <a:fillRef idx="1">
+                  <a:schemeClr val="accent1"/>
+                </a:fillRef>
+                <a:effectRef idx="0">
+                  <a:schemeClr val="accent1"/>
+                </a:effectRef>
+                <a:fontRef idx="minor">
+                  <a:schemeClr val="lt1"/>
+                </a:fontRef>
+              </p:style>
+              <p:txBody>
+                <a:bodyPr rtlCol="0" anchor="ctr"/>
+                <a:lstStyle/>
+                <a:p>
+                  <a:pPr algn="ctr"/>
+                  <a:r>
+                    <a:rPr lang="en-US" dirty="0"/>
+                    <a:t>Progressive adjustments</a:t>
+                  </a:r>
+                  <a:endParaRPr lang="en-KE" dirty="0"/>
+                </a:p>
+              </p:txBody>
+            </p:sp>
+            <p:sp>
+              <p:nvSpPr>
+                <p:cNvPr id="19" name="Flowchart: Process 18">
+                  <a:extLst>
+                    <a:ext uri="{FF2B5EF4-FFF2-40B4-BE49-F238E27FC236}">
+                      <a16:creationId xmlns:a16="http://schemas.microsoft.com/office/drawing/2014/main" id="{166CDB5E-EA20-AAE0-90C6-60E76FDCE208}"/>
+                    </a:ext>
+                  </a:extLst>
+                </p:cNvPr>
+                <p:cNvSpPr/>
+                <p:nvPr/>
+              </p:nvSpPr>
+              <p:spPr>
+                <a:xfrm>
+                  <a:off x="4975668" y="6088998"/>
+                  <a:ext cx="2355011" cy="513272"/>
+                </a:xfrm>
+                <a:prstGeom prst="flowChartProcess">
+                  <a:avLst/>
+                </a:prstGeom>
+              </p:spPr>
+              <p:style>
+                <a:lnRef idx="2">
+                  <a:schemeClr val="accent1">
+                    <a:shade val="15000"/>
+                  </a:schemeClr>
+                </a:lnRef>
+                <a:fillRef idx="1">
+                  <a:schemeClr val="accent1"/>
+                </a:fillRef>
+                <a:effectRef idx="0">
+                  <a:schemeClr val="accent1"/>
+                </a:effectRef>
+                <a:fontRef idx="minor">
+                  <a:schemeClr val="lt1"/>
+                </a:fontRef>
+              </p:style>
+              <p:txBody>
+                <a:bodyPr rtlCol="0" anchor="ctr"/>
+                <a:lstStyle/>
+                <a:p>
+                  <a:pPr algn="ctr"/>
+                  <a:r>
+                    <a:rPr lang="en-US" dirty="0"/>
+                    <a:t>Final solution</a:t>
+                  </a:r>
+                  <a:endParaRPr lang="en-KE" dirty="0"/>
+                </a:p>
+              </p:txBody>
+            </p:sp>
+            <p:sp>
+              <p:nvSpPr>
+                <p:cNvPr id="21" name="Flowchart: Decision 20">
+                  <a:extLst>
+                    <a:ext uri="{FF2B5EF4-FFF2-40B4-BE49-F238E27FC236}">
+                      <a16:creationId xmlns:a16="http://schemas.microsoft.com/office/drawing/2014/main" id="{0D7D6C3C-F42C-FAF6-5F18-15265D8CE46F}"/>
+                    </a:ext>
+                  </a:extLst>
+                </p:cNvPr>
+                <p:cNvSpPr/>
+                <p:nvPr/>
+              </p:nvSpPr>
+              <p:spPr>
+                <a:xfrm>
+                  <a:off x="4818403" y="4823980"/>
+                  <a:ext cx="2555193" cy="869904"/>
+                </a:xfrm>
+                <a:prstGeom prst="flowChartDecision">
+                  <a:avLst/>
+                </a:prstGeom>
+              </p:spPr>
+              <p:style>
+                <a:lnRef idx="2">
+                  <a:schemeClr val="accent1">
+                    <a:shade val="15000"/>
+                  </a:schemeClr>
+                </a:lnRef>
+                <a:fillRef idx="1">
+                  <a:schemeClr val="accent1"/>
+                </a:fillRef>
+                <a:effectRef idx="0">
+                  <a:schemeClr val="accent1"/>
+                </a:effectRef>
+                <a:fontRef idx="minor">
+                  <a:schemeClr val="lt1"/>
+                </a:fontRef>
+              </p:style>
+              <p:txBody>
+                <a:bodyPr rtlCol="0" anchor="ctr"/>
+                <a:lstStyle/>
+                <a:p>
+                  <a:pPr algn="ctr"/>
+                  <a:r>
+                    <a:rPr lang="en-US" dirty="0"/>
+                    <a:t>Is the product good ?</a:t>
+                  </a:r>
+                  <a:endParaRPr lang="en-KE" dirty="0"/>
+                </a:p>
+              </p:txBody>
+            </p:sp>
+            <p:cxnSp>
+              <p:nvCxnSpPr>
+                <p:cNvPr id="23" name="Straight Arrow Connector 22">
+                  <a:extLst>
+                    <a:ext uri="{FF2B5EF4-FFF2-40B4-BE49-F238E27FC236}">
+                      <a16:creationId xmlns:a16="http://schemas.microsoft.com/office/drawing/2014/main" id="{DB1663EF-9573-A0F3-8596-A4D78445DD94}"/>
+                    </a:ext>
+                  </a:extLst>
+                </p:cNvPr>
+                <p:cNvCxnSpPr>
+                  <a:cxnSpLocks/>
+                  <a:stCxn id="21" idx="2"/>
+                </p:cNvCxnSpPr>
+                <p:nvPr/>
+              </p:nvCxnSpPr>
+              <p:spPr>
+                <a:xfrm>
+                  <a:off x="6096000" y="5693884"/>
+                  <a:ext cx="0" cy="395114"/>
+                </a:xfrm>
+                <a:prstGeom prst="straightConnector1">
+                  <a:avLst/>
+                </a:prstGeom>
+                <a:ln>
+                  <a:tailEnd type="triangle"/>
+                </a:ln>
+              </p:spPr>
+              <p:style>
+                <a:lnRef idx="1">
+                  <a:schemeClr val="accent1"/>
+                </a:lnRef>
+                <a:fillRef idx="0">
+                  <a:schemeClr val="accent1"/>
+                </a:fillRef>
+                <a:effectRef idx="0">
+                  <a:schemeClr val="accent1"/>
+                </a:effectRef>
+                <a:fontRef idx="minor">
+                  <a:schemeClr val="tx1"/>
+                </a:fontRef>
+              </p:style>
+            </p:cxnSp>
+            <p:cxnSp>
+              <p:nvCxnSpPr>
+                <p:cNvPr id="26" name="Straight Arrow Connector 25">
+                  <a:extLst>
+                    <a:ext uri="{FF2B5EF4-FFF2-40B4-BE49-F238E27FC236}">
+                      <a16:creationId xmlns:a16="http://schemas.microsoft.com/office/drawing/2014/main" id="{B393A6C4-112B-62C6-6D6F-0C3A457A67D1}"/>
+                    </a:ext>
+                  </a:extLst>
+                </p:cNvPr>
+                <p:cNvCxnSpPr>
+                  <a:endCxn id="21" idx="0"/>
+                </p:cNvCxnSpPr>
+                <p:nvPr/>
+              </p:nvCxnSpPr>
+              <p:spPr>
+                <a:xfrm>
+                  <a:off x="6095999" y="4172230"/>
+                  <a:ext cx="1" cy="651750"/>
+                </a:xfrm>
+                <a:prstGeom prst="straightConnector1">
+                  <a:avLst/>
+                </a:prstGeom>
+                <a:ln>
+                  <a:tailEnd type="triangle"/>
+                </a:ln>
+              </p:spPr>
+              <p:style>
+                <a:lnRef idx="1">
+                  <a:schemeClr val="accent1"/>
+                </a:lnRef>
+                <a:fillRef idx="0">
+                  <a:schemeClr val="accent1"/>
+                </a:fillRef>
+                <a:effectRef idx="0">
+                  <a:schemeClr val="accent1"/>
+                </a:effectRef>
+                <a:fontRef idx="minor">
+                  <a:schemeClr val="tx1"/>
+                </a:fontRef>
+              </p:style>
+            </p:cxnSp>
+            <p:cxnSp>
+              <p:nvCxnSpPr>
+                <p:cNvPr id="30" name="Straight Arrow Connector 29">
+                  <a:extLst>
+                    <a:ext uri="{FF2B5EF4-FFF2-40B4-BE49-F238E27FC236}">
+                      <a16:creationId xmlns:a16="http://schemas.microsoft.com/office/drawing/2014/main" id="{ADCC1401-71F6-AC16-BE71-423C5CC79601}"/>
+                    </a:ext>
+                  </a:extLst>
+                </p:cNvPr>
+                <p:cNvCxnSpPr>
+                  <a:stCxn id="16" idx="2"/>
+                  <a:endCxn id="17" idx="0"/>
+                </p:cNvCxnSpPr>
+                <p:nvPr/>
+              </p:nvCxnSpPr>
+              <p:spPr>
+                <a:xfrm>
+                  <a:off x="5744304" y="2892090"/>
+                  <a:ext cx="1" cy="766868"/>
+                </a:xfrm>
+                <a:prstGeom prst="straightConnector1">
+                  <a:avLst/>
+                </a:prstGeom>
+                <a:ln>
+                  <a:tailEnd type="triangle"/>
+                </a:ln>
+              </p:spPr>
+              <p:style>
+                <a:lnRef idx="1">
+                  <a:schemeClr val="accent1"/>
+                </a:lnRef>
+                <a:fillRef idx="0">
+                  <a:schemeClr val="accent1"/>
+                </a:fillRef>
+                <a:effectRef idx="0">
+                  <a:schemeClr val="accent1"/>
+                </a:effectRef>
+                <a:fontRef idx="minor">
+                  <a:schemeClr val="tx1"/>
+                </a:fontRef>
+              </p:style>
+            </p:cxnSp>
+            <p:cxnSp>
+              <p:nvCxnSpPr>
+                <p:cNvPr id="32" name="Connector: Elbow 31">
+                  <a:extLst>
+                    <a:ext uri="{FF2B5EF4-FFF2-40B4-BE49-F238E27FC236}">
+                      <a16:creationId xmlns:a16="http://schemas.microsoft.com/office/drawing/2014/main" id="{9D565A27-4693-0103-C28D-8F47EAD95D15}"/>
+                    </a:ext>
+                  </a:extLst>
+                </p:cNvPr>
+                <p:cNvCxnSpPr>
+                  <a:cxnSpLocks/>
+                  <a:stCxn id="21" idx="3"/>
+                  <a:endCxn id="17" idx="3"/>
+                </p:cNvCxnSpPr>
+                <p:nvPr/>
+              </p:nvCxnSpPr>
+              <p:spPr>
+                <a:xfrm flipH="1" flipV="1">
+                  <a:off x="6770848" y="3915594"/>
+                  <a:ext cx="602748" cy="1343338"/>
+                </a:xfrm>
+                <a:prstGeom prst="bentConnector3">
+                  <a:avLst>
+                    <a:gd name="adj1" fmla="val -37926"/>
+                  </a:avLst>
+                </a:prstGeom>
+                <a:ln>
+                  <a:tailEnd type="triangle"/>
+                </a:ln>
+              </p:spPr>
+              <p:style>
+                <a:lnRef idx="1">
+                  <a:schemeClr val="accent1"/>
+                </a:lnRef>
+                <a:fillRef idx="0">
+                  <a:schemeClr val="accent1"/>
+                </a:fillRef>
+                <a:effectRef idx="0">
+                  <a:schemeClr val="accent1"/>
+                </a:effectRef>
+                <a:fontRef idx="minor">
+                  <a:schemeClr val="tx1"/>
+                </a:fontRef>
+              </p:style>
+            </p:cxnSp>
+          </p:grpSp>
+          <p:cxnSp>
+            <p:nvCxnSpPr>
+              <p:cNvPr id="43" name="Straight Arrow Connector 42">
+                <a:extLst>
+                  <a:ext uri="{FF2B5EF4-FFF2-40B4-BE49-F238E27FC236}">
+                    <a16:creationId xmlns:a16="http://schemas.microsoft.com/office/drawing/2014/main" id="{7D35BE50-0A84-8582-7434-D9472E50E3DD}"/>
+                  </a:ext>
+                </a:extLst>
+              </p:cNvPr>
+              <p:cNvCxnSpPr>
+                <a:endCxn id="16" idx="0"/>
+              </p:cNvCxnSpPr>
+              <p:nvPr/>
+            </p:nvCxnSpPr>
+            <p:spPr>
+              <a:xfrm flipH="1">
+                <a:off x="5870106" y="1658168"/>
+                <a:ext cx="13153" cy="438138"/>
+              </a:xfrm>
+              <a:prstGeom prst="straightConnector1">
+                <a:avLst/>
+              </a:prstGeom>
+              <a:ln>
+                <a:tailEnd type="triangle"/>
+              </a:ln>
+            </p:spPr>
+            <p:style>
+              <a:lnRef idx="1">
+                <a:schemeClr val="accent1"/>
+              </a:lnRef>
+              <a:fillRef idx="0">
+                <a:schemeClr val="accent1"/>
+              </a:fillRef>
+              <a:effectRef idx="0">
+                <a:schemeClr val="accent1"/>
+              </a:effectRef>
+              <a:fontRef idx="minor">
+                <a:schemeClr val="tx1"/>
+              </a:fontRef>
+            </p:style>
+          </p:cxnSp>
+          <p:sp>
+            <p:nvSpPr>
+              <p:cNvPr id="47" name="Flowchart: Connector 46">
+                <a:extLst>
+                  <a:ext uri="{FF2B5EF4-FFF2-40B4-BE49-F238E27FC236}">
+                    <a16:creationId xmlns:a16="http://schemas.microsoft.com/office/drawing/2014/main" id="{C76C5750-6507-C2EA-B61D-B6813CBC6B5F}"/>
+                  </a:ext>
+                </a:extLst>
+              </p:cNvPr>
+              <p:cNvSpPr/>
+              <p:nvPr/>
+            </p:nvSpPr>
+            <p:spPr>
+              <a:xfrm>
+                <a:off x="5805577" y="1644773"/>
+                <a:ext cx="155276" cy="110618"/>
+              </a:xfrm>
+              <a:prstGeom prst="flowChartConnector">
+                <a:avLst/>
+              </a:prstGeom>
+            </p:spPr>
+            <p:style>
+              <a:lnRef idx="2">
+                <a:schemeClr val="accent1">
+                  <a:shade val="15000"/>
+                </a:schemeClr>
+              </a:lnRef>
+              <a:fillRef idx="1">
+                <a:schemeClr val="accent1"/>
+              </a:fillRef>
+              <a:effectRef idx="0">
+                <a:schemeClr val="accent1"/>
+              </a:effectRef>
+              <a:fontRef idx="minor">
+                <a:schemeClr val="lt1"/>
+              </a:fontRef>
+            </p:style>
+            <p:txBody>
+              <a:bodyPr rtlCol="0" anchor="ctr"/>
+              <a:lstStyle/>
+              <a:p>
+                <a:pPr algn="ctr"/>
+                <a:endParaRPr lang="en-KE"/>
+              </a:p>
+            </p:txBody>
+          </p:sp>
+        </p:grpSp>
+      </p:grpSp>
+    </p:spTree>
+    <p:extLst>
+      <p:ext uri="{BB962C8B-B14F-4D97-AF65-F5344CB8AC3E}">
+        <p14:creationId xmlns:p14="http://schemas.microsoft.com/office/powerpoint/2010/main" val="773845102"/>
+      </p:ext>
+    </p:extLst>
+  </p:cSld>
+  <p:clrMapOvr>
+    <a:masterClrMapping/>
+  </p:clrMapOvr>
+</p:sld>
+</file>
+
+<file path=ppt/slides/slide6.xml><?xml version="1.0" encoding="utf-8"?>
+<p:sld xmlns:a="http://schemas.openxmlformats.org/drawingml/2006/main" xmlns:r="http://schemas.openxmlformats.org/officeDocument/2006/relationships" xmlns:p="http://schemas.openxmlformats.org/presentationml/2006/main">
+  <p:cSld>
+    <p:spTree>
+      <p:nvGrpSpPr>
+        <p:cNvPr id="1" name=""/>
+        <p:cNvGrpSpPr/>
+        <p:nvPr/>
+      </p:nvGrpSpPr>
+      <p:grpSpPr>
+        <a:xfrm>
+          <a:off x="0" y="0"/>
+          <a:ext cx="0" cy="0"/>
+          <a:chOff x="0" y="0"/>
+          <a:chExt cx="0" cy="0"/>
+        </a:xfrm>
+      </p:grpSpPr>
+      <p:sp>
+        <p:nvSpPr>
+          <p:cNvPr id="2" name="Title 1">
+            <a:extLst>
+              <a:ext uri="{FF2B5EF4-FFF2-40B4-BE49-F238E27FC236}">
+                <a16:creationId xmlns:a16="http://schemas.microsoft.com/office/drawing/2014/main" id="{806039CA-D557-01F8-B612-57AE8285559F}"/>
+              </a:ext>
+            </a:extLst>
+          </p:cNvPr>
+          <p:cNvSpPr>
+            <a:spLocks noGrp="1"/>
+          </p:cNvSpPr>
+          <p:nvPr>
+            <p:ph type="title"/>
+          </p:nvPr>
+        </p:nvSpPr>
+        <p:spPr/>
+        <p:txBody>
+          <a:bodyPr/>
+          <a:lstStyle/>
+          <a:p>
+            <a:r>
+              <a:rPr lang="en-US" dirty="0"/>
+              <a:t>Solution</a:t>
+            </a:r>
+            <a:endParaRPr lang="en-KE" dirty="0"/>
+          </a:p>
+        </p:txBody>
+      </p:sp>
+      <p:sp>
+        <p:nvSpPr>
+          <p:cNvPr id="3" name="Content Placeholder 2">
+            <a:extLst>
+              <a:ext uri="{FF2B5EF4-FFF2-40B4-BE49-F238E27FC236}">
+                <a16:creationId xmlns:a16="http://schemas.microsoft.com/office/drawing/2014/main" id="{008EBC56-43C6-5688-8F20-310E2C46AD1D}"/>
+              </a:ext>
+            </a:extLst>
+          </p:cNvPr>
+          <p:cNvSpPr>
+            <a:spLocks noGrp="1"/>
+          </p:cNvSpPr>
+          <p:nvPr>
+            <p:ph idx="1"/>
+          </p:nvPr>
+        </p:nvSpPr>
+        <p:spPr/>
+        <p:txBody>
+          <a:bodyPr/>
+          <a:lstStyle/>
+          <a:p>
+            <a:r>
+              <a:rPr lang="en-US" dirty="0"/>
+              <a:t>The solution is explained in the following images</a:t>
+            </a:r>
+          </a:p>
+          <a:p>
+            <a:endParaRPr lang="en-KE" dirty="0"/>
+          </a:p>
+        </p:txBody>
+      </p:sp>
+      <p:pic>
+        <p:nvPicPr>
+          <p:cNvPr id="21" name="Picture 20">
+            <a:extLst>
+              <a:ext uri="{FF2B5EF4-FFF2-40B4-BE49-F238E27FC236}">
+                <a16:creationId xmlns:a16="http://schemas.microsoft.com/office/drawing/2014/main" id="{6EB25D9F-80A5-323A-CAE3-566D2238BD15}"/>
+              </a:ext>
+            </a:extLst>
+          </p:cNvPr>
+          <p:cNvPicPr>
+            <a:picLocks noChangeAspect="1"/>
+          </p:cNvPicPr>
+          <p:nvPr/>
+        </p:nvPicPr>
+        <p:blipFill>
+          <a:blip r:embed="rId2">
+            <a:extLst>
+              <a:ext uri="{28A0092B-C50C-407E-A947-70E740481C1C}">
+                <a14:useLocalDpi xmlns:a14="http://schemas.microsoft.com/office/drawing/2010/main" val="0"/>
+              </a:ext>
+            </a:extLst>
+          </a:blip>
+          <a:stretch>
+            <a:fillRect/>
+          </a:stretch>
+        </p:blipFill>
+        <p:spPr>
+          <a:xfrm>
+            <a:off x="1155940" y="2648842"/>
+            <a:ext cx="6607834" cy="3599558"/>
+          </a:xfrm>
+          <a:prstGeom prst="rect">
+            <a:avLst/>
+          </a:prstGeom>
+        </p:spPr>
+      </p:pic>
+    </p:spTree>
+    <p:extLst>
+      <p:ext uri="{BB962C8B-B14F-4D97-AF65-F5344CB8AC3E}">
+        <p14:creationId xmlns:p14="http://schemas.microsoft.com/office/powerpoint/2010/main" val="3687861036"/>
+      </p:ext>
+    </p:extLst>
+  </p:cSld>
+  <p:clrMapOvr>
+    <a:masterClrMapping/>
+  </p:clrMapOvr>
+</p:sld>
+</file>
+
+<file path=ppt/slides/slide7.xml><?xml version="1.0" encoding="utf-8"?>
+<p:sld xmlns:a="http://schemas.openxmlformats.org/drawingml/2006/main" xmlns:r="http://schemas.openxmlformats.org/officeDocument/2006/relationships" xmlns:p="http://schemas.openxmlformats.org/presentationml/2006/main">
+  <p:cSld>
+    <p:spTree>
+      <p:nvGrpSpPr>
+        <p:cNvPr id="1" name=""/>
+        <p:cNvGrpSpPr/>
+        <p:nvPr/>
+      </p:nvGrpSpPr>
+      <p:grpSpPr>
+        <a:xfrm>
+          <a:off x="0" y="0"/>
+          <a:ext cx="0" cy="0"/>
+          <a:chOff x="0" y="0"/>
+          <a:chExt cx="0" cy="0"/>
+        </a:xfrm>
+      </p:grpSpPr>
+      <p:sp>
+        <p:nvSpPr>
+          <p:cNvPr id="2" name="Title 1">
+            <a:extLst>
+              <a:ext uri="{FF2B5EF4-FFF2-40B4-BE49-F238E27FC236}">
+                <a16:creationId xmlns:a16="http://schemas.microsoft.com/office/drawing/2014/main" id="{13BD4F8D-7C22-6136-D0CF-1233F09C67CF}"/>
+              </a:ext>
+            </a:extLst>
+          </p:cNvPr>
+          <p:cNvSpPr>
+            <a:spLocks noGrp="1"/>
+          </p:cNvSpPr>
+          <p:nvPr>
+            <p:ph type="title"/>
+          </p:nvPr>
+        </p:nvSpPr>
+        <p:spPr>
+          <a:xfrm>
+            <a:off x="677334" y="609600"/>
+            <a:ext cx="8596668" cy="477328"/>
+          </a:xfrm>
+        </p:spPr>
+        <p:txBody>
+          <a:bodyPr>
+            <a:normAutofit/>
+          </a:bodyPr>
+          <a:lstStyle/>
+          <a:p>
+            <a:r>
+              <a:rPr lang="en-US" sz="2000" dirty="0"/>
+              <a:t>Ordinary user registration page</a:t>
+            </a:r>
+            <a:endParaRPr lang="en-KE" sz="2000" dirty="0"/>
+          </a:p>
+        </p:txBody>
+      </p:sp>
+      <p:pic>
+        <p:nvPicPr>
+          <p:cNvPr id="5" name="Content Placeholder 4">
+            <a:extLst>
+              <a:ext uri="{FF2B5EF4-FFF2-40B4-BE49-F238E27FC236}">
+                <a16:creationId xmlns:a16="http://schemas.microsoft.com/office/drawing/2014/main" id="{EB69BA54-A486-30C3-8A83-007C00BEC966}"/>
+              </a:ext>
+            </a:extLst>
+          </p:cNvPr>
+          <p:cNvPicPr>
+            <a:picLocks noGrp="1" noChangeAspect="1"/>
+          </p:cNvPicPr>
+          <p:nvPr>
+            <p:ph idx="1"/>
+          </p:nvPr>
+        </p:nvPicPr>
+        <p:blipFill>
+          <a:blip r:embed="rId2">
+            <a:extLst>
+              <a:ext uri="{28A0092B-C50C-407E-A947-70E740481C1C}">
+                <a14:useLocalDpi xmlns:a14="http://schemas.microsoft.com/office/drawing/2010/main" val="0"/>
+              </a:ext>
+            </a:extLst>
+          </a:blip>
+          <a:stretch>
+            <a:fillRect/>
+          </a:stretch>
+        </p:blipFill>
+        <p:spPr>
+          <a:xfrm>
+            <a:off x="1242204" y="1086928"/>
+            <a:ext cx="7296459" cy="4955097"/>
+          </a:xfrm>
+        </p:spPr>
+      </p:pic>
+    </p:spTree>
+    <p:extLst>
+      <p:ext uri="{BB962C8B-B14F-4D97-AF65-F5344CB8AC3E}">
+        <p14:creationId xmlns:p14="http://schemas.microsoft.com/office/powerpoint/2010/main" val="198657553"/>
+      </p:ext>
+    </p:extLst>
+  </p:cSld>
+  <p:clrMapOvr>
+    <a:masterClrMapping/>
+  </p:clrMapOvr>
+</p:sld>
+</file>
+
+<file path=ppt/slides/slide8.xml><?xml version="1.0" encoding="utf-8"?>
+<p:sld xmlns:a="http://schemas.openxmlformats.org/drawingml/2006/main" xmlns:r="http://schemas.openxmlformats.org/officeDocument/2006/relationships" xmlns:p="http://schemas.openxmlformats.org/presentationml/2006/main">
+  <p:cSld>
+    <p:spTree>
+      <p:nvGrpSpPr>
+        <p:cNvPr id="1" name=""/>
+        <p:cNvGrpSpPr/>
+        <p:nvPr/>
+      </p:nvGrpSpPr>
+      <p:grpSpPr>
+        <a:xfrm>
+          <a:off x="0" y="0"/>
+          <a:ext cx="0" cy="0"/>
+          <a:chOff x="0" y="0"/>
+          <a:chExt cx="0" cy="0"/>
+        </a:xfrm>
+      </p:grpSpPr>
+      <p:pic>
+        <p:nvPicPr>
+          <p:cNvPr id="5" name="Content Placeholder 4">
+            <a:extLst>
+              <a:ext uri="{FF2B5EF4-FFF2-40B4-BE49-F238E27FC236}">
+                <a16:creationId xmlns:a16="http://schemas.microsoft.com/office/drawing/2014/main" id="{0C797D9C-D7E4-3DF6-73CF-E4A57F78BC5E}"/>
+              </a:ext>
+            </a:extLst>
+          </p:cNvPr>
+          <p:cNvPicPr>
+            <a:picLocks noGrp="1" noChangeAspect="1"/>
+          </p:cNvPicPr>
+          <p:nvPr>
+            <p:ph idx="1"/>
+          </p:nvPr>
+        </p:nvPicPr>
+        <p:blipFill>
+          <a:blip r:embed="rId2">
+            <a:extLst>
+              <a:ext uri="{28A0092B-C50C-407E-A947-70E740481C1C}">
+                <a14:useLocalDpi xmlns:a14="http://schemas.microsoft.com/office/drawing/2010/main" val="0"/>
+              </a:ext>
+            </a:extLst>
+          </a:blip>
+          <a:stretch>
+            <a:fillRect/>
+          </a:stretch>
+        </p:blipFill>
+        <p:spPr>
+          <a:xfrm>
+            <a:off x="1208177" y="759125"/>
+            <a:ext cx="7223995" cy="4868233"/>
+          </a:xfrm>
+        </p:spPr>
+      </p:pic>
+    </p:spTree>
+    <p:extLst>
+      <p:ext uri="{BB962C8B-B14F-4D97-AF65-F5344CB8AC3E}">
+        <p14:creationId xmlns:p14="http://schemas.microsoft.com/office/powerpoint/2010/main" val="2796970921"/>
+      </p:ext>
+    </p:extLst>
+  </p:cSld>
+  <p:clrMapOvr>
+    <a:masterClrMapping/>
+  </p:clrMapOvr>
+</p:sld>
+</file>
+
+<file path=ppt/slides/slide9.xml><?xml version="1.0" encoding="utf-8"?>
+<p:sld xmlns:a="http://schemas.openxmlformats.org/drawingml/2006/main" xmlns:r="http://schemas.openxmlformats.org/officeDocument/2006/relationships" xmlns:p="http://schemas.openxmlformats.org/presentationml/2006/main">
+  <p:cSld>
+    <p:spTree>
+      <p:nvGrpSpPr>
+        <p:cNvPr id="1" name=""/>
+        <p:cNvGrpSpPr/>
+        <p:nvPr/>
+      </p:nvGrpSpPr>
+      <p:grpSpPr>
+        <a:xfrm>
+          <a:off x="0" y="0"/>
+          <a:ext cx="0" cy="0"/>
+          <a:chOff x="0" y="0"/>
+          <a:chExt cx="0" cy="0"/>
+        </a:xfrm>
+      </p:grpSpPr>
+      <p:sp>
+        <p:nvSpPr>
+          <p:cNvPr id="2" name="Title 1">
+            <a:extLst>
+              <a:ext uri="{FF2B5EF4-FFF2-40B4-BE49-F238E27FC236}">
+                <a16:creationId xmlns:a16="http://schemas.microsoft.com/office/drawing/2014/main" id="{703D72DD-E759-C9F9-9ACE-0149D399C130}"/>
+              </a:ext>
+            </a:extLst>
+          </p:cNvPr>
+          <p:cNvSpPr>
+            <a:spLocks noGrp="1"/>
+          </p:cNvSpPr>
+          <p:nvPr>
+            <p:ph type="title"/>
+          </p:nvPr>
+        </p:nvSpPr>
+        <p:spPr>
+          <a:xfrm>
+            <a:off x="677334" y="609600"/>
+            <a:ext cx="8596668" cy="485955"/>
+          </a:xfrm>
+        </p:spPr>
+        <p:txBody>
+          <a:bodyPr>
+            <a:normAutofit/>
+          </a:bodyPr>
+          <a:lstStyle/>
+          <a:p>
+            <a:r>
+              <a:rPr lang="en-US" sz="2000" dirty="0"/>
+              <a:t>Ordinary user login</a:t>
+            </a:r>
+            <a:endParaRPr lang="en-KE" sz="2000" dirty="0"/>
+          </a:p>
+        </p:txBody>
+      </p:sp>
+      <p:pic>
+        <p:nvPicPr>
+          <p:cNvPr id="5" name="Content Placeholder 4">
+            <a:extLst>
+              <a:ext uri="{FF2B5EF4-FFF2-40B4-BE49-F238E27FC236}">
+                <a16:creationId xmlns:a16="http://schemas.microsoft.com/office/drawing/2014/main" id="{15069A26-88CE-C871-3A49-7A36108FE94C}"/>
+              </a:ext>
+            </a:extLst>
+          </p:cNvPr>
+          <p:cNvPicPr>
+            <a:picLocks noGrp="1" noChangeAspect="1"/>
+          </p:cNvPicPr>
+          <p:nvPr>
+            <p:ph idx="1"/>
+          </p:nvPr>
+        </p:nvPicPr>
+        <p:blipFill>
+          <a:blip r:embed="rId2">
+            <a:extLst>
+              <a:ext uri="{28A0092B-C50C-407E-A947-70E740481C1C}">
+                <a14:useLocalDpi xmlns:a14="http://schemas.microsoft.com/office/drawing/2010/main" val="0"/>
+              </a:ext>
+            </a:extLst>
+          </a:blip>
+          <a:stretch>
+            <a:fillRect/>
+          </a:stretch>
+        </p:blipFill>
+        <p:spPr>
+          <a:xfrm>
+            <a:off x="1382789" y="1233578"/>
+            <a:ext cx="7186459" cy="4808448"/>
+          </a:xfrm>
+        </p:spPr>
+      </p:pic>
+    </p:spTree>
+    <p:extLst>
+      <p:ext uri="{BB962C8B-B14F-4D97-AF65-F5344CB8AC3E}">
+        <p14:creationId xmlns:p14="http://schemas.microsoft.com/office/powerpoint/2010/main" val="2170651489"/>
       </p:ext>
     </p:extLst>
   </p:cSld>
